--- a/git_workshop.pptx
+++ b/git_workshop.pptx
@@ -482,7 +482,7 @@
           <a:p>
             <a:fld id="{12BA60E3-47A0-458A-8473-B13357E4806E}" type="datetimeFigureOut">
               <a:rPr lang="en-US"/>
-              <a:t>1/18/19</a:t>
+              <a:t>2/15/19</a:t>
             </a:fld>
             <a:endParaRPr lang="en-US"/>
           </a:p>
@@ -646,7 +646,7 @@
           <a:p>
             <a:fld id="{D6F4F3B1-FC5A-448B-8D77-240037331276}" type="datetimeFigureOut">
               <a:rPr lang="en-US"/>
-              <a:t>1/18/19</a:t>
+              <a:t>2/15/19</a:t>
             </a:fld>
             <a:endParaRPr lang="en-US"/>
           </a:p>
@@ -1239,7 +1239,7 @@
                 <a:tabLst/>
                 <a:defRPr/>
               </a:pPr>
-              <a:t>1/18/19</a:t>
+              <a:t>2/15/19</a:t>
             </a:fld>
             <a:endParaRPr kumimoji="0" lang="en-US" sz="1200" b="0" i="0" u="none" strike="noStrike" kern="1200" cap="none" spc="0" normalizeH="0" baseline="0" noProof="0">
               <a:ln>
@@ -1713,7 +1713,7 @@
                 <a:tabLst/>
                 <a:defRPr/>
               </a:pPr>
-              <a:t>1/18/19</a:t>
+              <a:t>2/15/19</a:t>
             </a:fld>
             <a:endParaRPr kumimoji="0" lang="en-US" sz="1200" b="0" i="0" u="none" strike="noStrike" kern="1200" cap="none" spc="0" normalizeH="0" baseline="0" noProof="0">
               <a:ln>
@@ -2073,7 +2073,7 @@
                 <a:tabLst/>
                 <a:defRPr/>
               </a:pPr>
-              <a:t>1/18/19</a:t>
+              <a:t>2/15/19</a:t>
             </a:fld>
             <a:endParaRPr kumimoji="0" lang="en-US" sz="1200" b="0" i="0" u="none" strike="noStrike" kern="1200" cap="none" spc="0" normalizeH="0" baseline="0" noProof="0">
               <a:ln>
@@ -2433,7 +2433,7 @@
                 <a:tabLst/>
                 <a:defRPr/>
               </a:pPr>
-              <a:t>1/18/19</a:t>
+              <a:t>2/15/19</a:t>
             </a:fld>
             <a:endParaRPr kumimoji="0" lang="en-US" sz="1200" b="0" i="0" u="none" strike="noStrike" kern="1200" cap="none" spc="0" normalizeH="0" baseline="0" noProof="0">
               <a:ln>
@@ -2793,7 +2793,7 @@
                 <a:tabLst/>
                 <a:defRPr/>
               </a:pPr>
-              <a:t>1/18/19</a:t>
+              <a:t>2/15/19</a:t>
             </a:fld>
             <a:endParaRPr kumimoji="0" lang="en-US" sz="1200" b="0" i="0" u="none" strike="noStrike" kern="1200" cap="none" spc="0" normalizeH="0" baseline="0" noProof="0">
               <a:ln>
@@ -3153,7 +3153,7 @@
                 <a:tabLst/>
                 <a:defRPr/>
               </a:pPr>
-              <a:t>1/18/19</a:t>
+              <a:t>2/15/19</a:t>
             </a:fld>
             <a:endParaRPr kumimoji="0" lang="en-US" sz="1200" b="0" i="0" u="none" strike="noStrike" kern="1200" cap="none" spc="0" normalizeH="0" baseline="0" noProof="0">
               <a:ln>
@@ -3513,7 +3513,7 @@
                 <a:tabLst/>
                 <a:defRPr/>
               </a:pPr>
-              <a:t>1/18/19</a:t>
+              <a:t>2/15/19</a:t>
             </a:fld>
             <a:endParaRPr kumimoji="0" lang="en-US" sz="1200" b="0" i="0" u="none" strike="noStrike" kern="1200" cap="none" spc="0" normalizeH="0" baseline="0" noProof="0">
               <a:ln>
@@ -3873,7 +3873,7 @@
                 <a:tabLst/>
                 <a:defRPr/>
               </a:pPr>
-              <a:t>1/18/19</a:t>
+              <a:t>2/15/19</a:t>
             </a:fld>
             <a:endParaRPr kumimoji="0" lang="en-US" sz="1200" b="0" i="0" u="none" strike="noStrike" kern="1200" cap="none" spc="0" normalizeH="0" baseline="0" noProof="0">
               <a:ln>
@@ -4233,7 +4233,7 @@
                 <a:tabLst/>
                 <a:defRPr/>
               </a:pPr>
-              <a:t>1/18/19</a:t>
+              <a:t>2/15/19</a:t>
             </a:fld>
             <a:endParaRPr kumimoji="0" lang="en-US" sz="1200" b="0" i="0" u="none" strike="noStrike" kern="1200" cap="none" spc="0" normalizeH="0" baseline="0" noProof="0">
               <a:ln>
@@ -4593,7 +4593,7 @@
                 <a:tabLst/>
                 <a:defRPr/>
               </a:pPr>
-              <a:t>1/18/19</a:t>
+              <a:t>2/15/19</a:t>
             </a:fld>
             <a:endParaRPr kumimoji="0" lang="en-US" sz="1200" b="0" i="0" u="none" strike="noStrike" kern="1200" cap="none" spc="0" normalizeH="0" baseline="0" noProof="0">
               <a:ln>
@@ -4953,7 +4953,7 @@
                 <a:tabLst/>
                 <a:defRPr/>
               </a:pPr>
-              <a:t>1/18/19</a:t>
+              <a:t>2/15/19</a:t>
             </a:fld>
             <a:endParaRPr kumimoji="0" lang="en-US" sz="1200" b="0" i="0" u="none" strike="noStrike" kern="1200" cap="none" spc="0" normalizeH="0" baseline="0" noProof="0">
               <a:ln>
@@ -5313,7 +5313,7 @@
                 <a:tabLst/>
                 <a:defRPr/>
               </a:pPr>
-              <a:t>1/18/19</a:t>
+              <a:t>2/15/19</a:t>
             </a:fld>
             <a:endParaRPr kumimoji="0" lang="en-US" sz="1200" b="0" i="0" u="none" strike="noStrike" kern="1200" cap="none" spc="0" normalizeH="0" baseline="0" noProof="0">
               <a:ln>
@@ -5673,7 +5673,7 @@
                 <a:tabLst/>
                 <a:defRPr/>
               </a:pPr>
-              <a:t>1/18/19</a:t>
+              <a:t>2/15/19</a:t>
             </a:fld>
             <a:endParaRPr kumimoji="0" lang="en-US" sz="1200" b="0" i="0" u="none" strike="noStrike" kern="1200" cap="none" spc="0" normalizeH="0" baseline="0" noProof="0">
               <a:ln>
@@ -6033,7 +6033,7 @@
                 <a:tabLst/>
                 <a:defRPr/>
               </a:pPr>
-              <a:t>1/18/19</a:t>
+              <a:t>2/15/19</a:t>
             </a:fld>
             <a:endParaRPr kumimoji="0" lang="en-US" sz="1200" b="0" i="0" u="none" strike="noStrike" kern="1200" cap="none" spc="0" normalizeH="0" baseline="0" noProof="0">
               <a:ln>
@@ -6393,7 +6393,7 @@
                 <a:tabLst/>
                 <a:defRPr/>
               </a:pPr>
-              <a:t>1/18/19</a:t>
+              <a:t>2/15/19</a:t>
             </a:fld>
             <a:endParaRPr kumimoji="0" lang="en-US" sz="1200" b="0" i="0" u="none" strike="noStrike" kern="1200" cap="none" spc="0" normalizeH="0" baseline="0" noProof="0">
               <a:ln>
@@ -6753,7 +6753,7 @@
                 <a:tabLst/>
                 <a:defRPr/>
               </a:pPr>
-              <a:t>1/18/19</a:t>
+              <a:t>2/15/19</a:t>
             </a:fld>
             <a:endParaRPr kumimoji="0" lang="en-US" sz="1200" b="0" i="0" u="none" strike="noStrike" kern="1200" cap="none" spc="0" normalizeH="0" baseline="0" noProof="0">
               <a:ln>
@@ -7113,7 +7113,7 @@
                 <a:tabLst/>
                 <a:defRPr/>
               </a:pPr>
-              <a:t>1/18/19</a:t>
+              <a:t>2/15/19</a:t>
             </a:fld>
             <a:endParaRPr kumimoji="0" lang="en-US" sz="1200" b="0" i="0" u="none" strike="noStrike" kern="1200" cap="none" spc="0" normalizeH="0" baseline="0" noProof="0">
               <a:ln>
@@ -7473,7 +7473,7 @@
                 <a:tabLst/>
                 <a:defRPr/>
               </a:pPr>
-              <a:t>1/18/19</a:t>
+              <a:t>2/15/19</a:t>
             </a:fld>
             <a:endParaRPr kumimoji="0" lang="en-US" sz="1200" b="0" i="0" u="none" strike="noStrike" kern="1200" cap="none" spc="0" normalizeH="0" baseline="0" noProof="0">
               <a:ln>
@@ -7833,7 +7833,7 @@
                 <a:tabLst/>
                 <a:defRPr/>
               </a:pPr>
-              <a:t>1/18/19</a:t>
+              <a:t>2/15/19</a:t>
             </a:fld>
             <a:endParaRPr kumimoji="0" lang="en-US" sz="1200" b="0" i="0" u="none" strike="noStrike" kern="1200" cap="none" spc="0" normalizeH="0" baseline="0" noProof="0">
               <a:ln>
@@ -8193,7 +8193,7 @@
                 <a:tabLst/>
                 <a:defRPr/>
               </a:pPr>
-              <a:t>1/18/19</a:t>
+              <a:t>2/15/19</a:t>
             </a:fld>
             <a:endParaRPr kumimoji="0" lang="en-US" sz="1200" b="0" i="0" u="none" strike="noStrike" kern="1200" cap="none" spc="0" normalizeH="0" baseline="0" noProof="0">
               <a:ln>
@@ -8553,7 +8553,7 @@
                 <a:tabLst/>
                 <a:defRPr/>
               </a:pPr>
-              <a:t>1/18/19</a:t>
+              <a:t>2/15/19</a:t>
             </a:fld>
             <a:endParaRPr kumimoji="0" lang="en-US" sz="1200" b="0" i="0" u="none" strike="noStrike" kern="1200" cap="none" spc="0" normalizeH="0" baseline="0" noProof="0">
               <a:ln>
@@ -8913,7 +8913,7 @@
                 <a:tabLst/>
                 <a:defRPr/>
               </a:pPr>
-              <a:t>1/18/19</a:t>
+              <a:t>2/15/19</a:t>
             </a:fld>
             <a:endParaRPr kumimoji="0" lang="en-US" sz="1200" b="0" i="0" u="none" strike="noStrike" kern="1200" cap="none" spc="0" normalizeH="0" baseline="0" noProof="0">
               <a:ln>
@@ -9273,7 +9273,7 @@
                 <a:tabLst/>
                 <a:defRPr/>
               </a:pPr>
-              <a:t>1/18/19</a:t>
+              <a:t>2/15/19</a:t>
             </a:fld>
             <a:endParaRPr kumimoji="0" lang="en-US" sz="1200" b="0" i="0" u="none" strike="noStrike" kern="1200" cap="none" spc="0" normalizeH="0" baseline="0" noProof="0">
               <a:ln>
@@ -9633,7 +9633,7 @@
                 <a:tabLst/>
                 <a:defRPr/>
               </a:pPr>
-              <a:t>1/18/19</a:t>
+              <a:t>2/15/19</a:t>
             </a:fld>
             <a:endParaRPr kumimoji="0" lang="en-US" sz="1200" b="0" i="0" u="none" strike="noStrike" kern="1200" cap="none" spc="0" normalizeH="0" baseline="0" noProof="0">
               <a:ln>
@@ -9993,7 +9993,7 @@
                 <a:tabLst/>
                 <a:defRPr/>
               </a:pPr>
-              <a:t>1/18/19</a:t>
+              <a:t>2/15/19</a:t>
             </a:fld>
             <a:endParaRPr kumimoji="0" lang="en-US" sz="1200" b="0" i="0" u="none" strike="noStrike" kern="1200" cap="none" spc="0" normalizeH="0" baseline="0" noProof="0">
               <a:ln>
@@ -10467,7 +10467,7 @@
                 <a:tabLst/>
                 <a:defRPr/>
               </a:pPr>
-              <a:t>1/18/19</a:t>
+              <a:t>2/15/19</a:t>
             </a:fld>
             <a:endParaRPr kumimoji="0" lang="en-US" sz="1200" b="0" i="0" u="none" strike="noStrike" kern="1200" cap="none" spc="0" normalizeH="0" baseline="0" noProof="0">
               <a:ln>
@@ -10827,7 +10827,7 @@
                 <a:tabLst/>
                 <a:defRPr/>
               </a:pPr>
-              <a:t>1/18/19</a:t>
+              <a:t>2/15/19</a:t>
             </a:fld>
             <a:endParaRPr kumimoji="0" lang="en-US" sz="1200" b="0" i="0" u="none" strike="noStrike" kern="1200" cap="none" spc="0" normalizeH="0" baseline="0" noProof="0">
               <a:ln>
@@ -31151,7 +31151,7 @@
         <p:spPr>
           <a:xfrm>
             <a:off x="1080000" y="2308680"/>
-            <a:ext cx="5760000" cy="715320"/>
+            <a:ext cx="5434991" cy="415198"/>
           </a:xfrm>
           <a:prstGeom prst="rect">
             <a:avLst/>
@@ -31181,7 +31181,7 @@
               <a:tabLst/>
             </a:pPr>
             <a:r>
-              <a:rPr lang="en-GB" sz="2200" b="0" i="0" u="none" strike="noStrike" kern="1200" cap="none">
+              <a:rPr lang="en-GB" sz="2200" b="0" i="0" u="none" strike="noStrike" kern="1200" cap="none" dirty="0">
                 <a:ln>
                   <a:noFill/>
                 </a:ln>
@@ -31189,7 +31189,29 @@
                 <a:ea typeface="Noto Sans CJK SC Regular" pitchFamily="2"/>
                 <a:cs typeface="FreeSans" pitchFamily="2"/>
               </a:rPr>
-              <a:t>$ git config -- global user.name “John Doe”</a:t>
+              <a:t>$ git config --global </a:t>
+            </a:r>
+            <a:r>
+              <a:rPr lang="en-GB" sz="2200" b="0" i="0" u="none" strike="noStrike" kern="1200" cap="none" dirty="0" err="1">
+                <a:ln>
+                  <a:noFill/>
+                </a:ln>
+                <a:latin typeface="Liberation Sans" pitchFamily="18"/>
+                <a:ea typeface="Noto Sans CJK SC Regular" pitchFamily="2"/>
+                <a:cs typeface="FreeSans" pitchFamily="2"/>
+              </a:rPr>
+              <a:t>user.name</a:t>
+            </a:r>
+            <a:r>
+              <a:rPr lang="en-GB" sz="2200" b="0" i="0" u="none" strike="noStrike" kern="1200" cap="none" dirty="0">
+                <a:ln>
+                  <a:noFill/>
+                </a:ln>
+                <a:latin typeface="Liberation Sans" pitchFamily="18"/>
+                <a:ea typeface="Noto Sans CJK SC Regular" pitchFamily="2"/>
+                <a:cs typeface="FreeSans" pitchFamily="2"/>
+              </a:rPr>
+              <a:t> “John Doe”</a:t>
             </a:r>
           </a:p>
         </p:txBody>
@@ -31400,7 +31422,7 @@
         <p:spPr>
           <a:xfrm>
             <a:off x="1007999" y="3388680"/>
-            <a:ext cx="7272000" cy="715320"/>
+            <a:ext cx="7164054" cy="415198"/>
           </a:xfrm>
           <a:prstGeom prst="rect">
             <a:avLst/>
@@ -31430,7 +31452,7 @@
               <a:tabLst/>
             </a:pPr>
             <a:r>
-              <a:rPr lang="en-GB" sz="2200" b="0" i="0" u="none" strike="noStrike" kern="1200" cap="none">
+              <a:rPr lang="en-GB" sz="2200" b="0" i="0" u="none" strike="noStrike" kern="1200" cap="none" dirty="0">
                 <a:ln>
                   <a:noFill/>
                 </a:ln>
@@ -31438,7 +31460,51 @@
                 <a:ea typeface="Noto Sans CJK SC Regular" pitchFamily="2"/>
                 <a:cs typeface="FreeSans" pitchFamily="2"/>
               </a:rPr>
-              <a:t>$ git config -- global user.email “johndoe@example.com”</a:t>
+              <a:t>$ git config --global </a:t>
+            </a:r>
+            <a:r>
+              <a:rPr lang="en-GB" sz="2200" b="0" i="0" u="none" strike="noStrike" kern="1200" cap="none" dirty="0" err="1">
+                <a:ln>
+                  <a:noFill/>
+                </a:ln>
+                <a:latin typeface="Liberation Sans" pitchFamily="18"/>
+                <a:ea typeface="Noto Sans CJK SC Regular" pitchFamily="2"/>
+                <a:cs typeface="FreeSans" pitchFamily="2"/>
+              </a:rPr>
+              <a:t>user.email</a:t>
+            </a:r>
+            <a:r>
+              <a:rPr lang="en-GB" sz="2200" b="0" i="0" u="none" strike="noStrike" kern="1200" cap="none" dirty="0">
+                <a:ln>
+                  <a:noFill/>
+                </a:ln>
+                <a:latin typeface="Liberation Sans" pitchFamily="18"/>
+                <a:ea typeface="Noto Sans CJK SC Regular" pitchFamily="2"/>
+                <a:cs typeface="FreeSans" pitchFamily="2"/>
+              </a:rPr>
+              <a:t> “</a:t>
+            </a:r>
+            <a:r>
+              <a:rPr lang="en-GB" sz="2200" b="0" i="0" u="none" strike="noStrike" kern="1200" cap="none" dirty="0" err="1">
+                <a:ln>
+                  <a:noFill/>
+                </a:ln>
+                <a:latin typeface="Liberation Sans" pitchFamily="18"/>
+                <a:ea typeface="Noto Sans CJK SC Regular" pitchFamily="2"/>
+                <a:cs typeface="FreeSans" pitchFamily="2"/>
+              </a:rPr>
+              <a:t>johndoe@example.com</a:t>
+            </a:r>
+            <a:r>
+              <a:rPr lang="en-GB" sz="2200" b="0" i="0" u="none" strike="noStrike" kern="1200" cap="none" dirty="0">
+                <a:ln>
+                  <a:noFill/>
+                </a:ln>
+                <a:latin typeface="Liberation Sans" pitchFamily="18"/>
+                <a:ea typeface="Noto Sans CJK SC Regular" pitchFamily="2"/>
+                <a:cs typeface="FreeSans" pitchFamily="2"/>
+              </a:rPr>
+              <a:t>”</a:t>
             </a:r>
           </a:p>
         </p:txBody>
@@ -31687,7 +31753,7 @@
                 <a:ea typeface="Noto Sans CJK SC Regular" pitchFamily="2"/>
                 <a:cs typeface="FreeSans" pitchFamily="2"/>
               </a:rPr>
-              <a:t>$ git config -- global </a:t>
+              <a:t>$ git config --global </a:t>
             </a:r>
             <a:r>
               <a:rPr lang="en-GB" sz="2200" b="0" i="0" u="none" strike="noStrike" kern="1200" cap="none" dirty="0" err="1">
@@ -31982,8 +32048,27 @@
                 <a:ea typeface="Noto Sans CJK SC Regular" pitchFamily="2"/>
                 <a:cs typeface="FreeSans" pitchFamily="2"/>
               </a:rPr>
-              <a:t>$ git config -- list</a:t>
-            </a:r>
+              <a:t>$ git </a:t>
+            </a:r>
+            <a:r>
+              <a:rPr lang="en-GB" sz="2200" b="0" i="0" u="none" strike="noStrike" kern="1200" cap="none">
+                <a:ln>
+                  <a:noFill/>
+                </a:ln>
+                <a:latin typeface="Liberation Sans" pitchFamily="18"/>
+                <a:ea typeface="Noto Sans CJK SC Regular" pitchFamily="2"/>
+                <a:cs typeface="FreeSans" pitchFamily="2"/>
+              </a:rPr>
+              <a:t>config --list</a:t>
+            </a:r>
+            <a:endParaRPr lang="en-GB" sz="2200" b="0" i="0" u="none" strike="noStrike" kern="1200" cap="none" dirty="0">
+              <a:ln>
+                <a:noFill/>
+              </a:ln>
+              <a:latin typeface="Liberation Sans" pitchFamily="18"/>
+              <a:ea typeface="Noto Sans CJK SC Regular" pitchFamily="2"/>
+              <a:cs typeface="FreeSans" pitchFamily="2"/>
+            </a:endParaRPr>
           </a:p>
           <a:p>
             <a:pPr marL="0" marR="0" lvl="0" indent="0" rtl="0" hangingPunct="0">

--- a/git_workshop.pptx
+++ b/git_workshop.pptx
@@ -469,7 +469,7 @@
           <a:p>
             <a:fld id="{12BA60E3-47A0-458A-8473-B13357E4806E}" type="datetimeFigureOut">
               <a:rPr lang="en-US"/>
-              <a:t>5/14/22</a:t>
+              <a:t>5/17/22</a:t>
             </a:fld>
             <a:endParaRPr lang="en-US"/>
           </a:p>
@@ -633,7 +633,7 @@
           <a:p>
             <a:fld id="{D6F4F3B1-FC5A-448B-8D77-240037331276}" type="datetimeFigureOut">
               <a:rPr lang="en-US"/>
-              <a:t>5/14/22</a:t>
+              <a:t>5/17/22</a:t>
             </a:fld>
             <a:endParaRPr lang="en-US"/>
           </a:p>
@@ -1226,7 +1226,7 @@
                 <a:tabLst/>
                 <a:defRPr/>
               </a:pPr>
-              <a:t>5/14/22</a:t>
+              <a:t>5/17/22</a:t>
             </a:fld>
             <a:endParaRPr kumimoji="0" lang="en-US" sz="1200" b="0" i="0" u="none" strike="noStrike" kern="1200" cap="none" spc="0" normalizeH="0" baseline="0" noProof="0">
               <a:ln>
@@ -1589,7 +1589,7 @@
                 <a:tabLst/>
                 <a:defRPr/>
               </a:pPr>
-              <a:t>5/14/22</a:t>
+              <a:t>5/17/22</a:t>
             </a:fld>
             <a:endParaRPr kumimoji="0" lang="en-US" sz="1200" b="0" i="0" u="none" strike="noStrike" kern="1200" cap="none" spc="0" normalizeH="0" baseline="0" noProof="0">
               <a:ln>
@@ -1949,7 +1949,7 @@
                 <a:tabLst/>
                 <a:defRPr/>
               </a:pPr>
-              <a:t>5/14/22</a:t>
+              <a:t>5/17/22</a:t>
             </a:fld>
             <a:endParaRPr kumimoji="0" lang="en-US" sz="1200" b="0" i="0" u="none" strike="noStrike" kern="1200" cap="none" spc="0" normalizeH="0" baseline="0" noProof="0">
               <a:ln>
@@ -2309,7 +2309,7 @@
                 <a:tabLst/>
                 <a:defRPr/>
               </a:pPr>
-              <a:t>5/14/22</a:t>
+              <a:t>5/17/22</a:t>
             </a:fld>
             <a:endParaRPr kumimoji="0" lang="en-US" sz="1200" b="0" i="0" u="none" strike="noStrike" kern="1200" cap="none" spc="0" normalizeH="0" baseline="0" noProof="0">
               <a:ln>
@@ -2669,7 +2669,7 @@
                 <a:tabLst/>
                 <a:defRPr/>
               </a:pPr>
-              <a:t>5/14/22</a:t>
+              <a:t>5/17/22</a:t>
             </a:fld>
             <a:endParaRPr kumimoji="0" lang="en-US" sz="1200" b="0" i="0" u="none" strike="noStrike" kern="1200" cap="none" spc="0" normalizeH="0" baseline="0" noProof="0">
               <a:ln>
@@ -3029,7 +3029,7 @@
                 <a:tabLst/>
                 <a:defRPr/>
               </a:pPr>
-              <a:t>5/14/22</a:t>
+              <a:t>5/17/22</a:t>
             </a:fld>
             <a:endParaRPr kumimoji="0" lang="en-US" sz="1200" b="0" i="0" u="none" strike="noStrike" kern="1200" cap="none" spc="0" normalizeH="0" baseline="0" noProof="0">
               <a:ln>
@@ -3392,7 +3392,7 @@
                 <a:tabLst/>
                 <a:defRPr/>
               </a:pPr>
-              <a:t>5/14/22</a:t>
+              <a:t>5/17/22</a:t>
             </a:fld>
             <a:endParaRPr kumimoji="0" lang="en-US" sz="1200" b="0" i="0" u="none" strike="noStrike" kern="1200" cap="none" spc="0" normalizeH="0" baseline="0" noProof="0">
               <a:ln>
@@ -14940,7 +14940,7 @@
           <a:p>
             <a:r>
               <a:rPr lang="en-US" dirty="0"/>
-              <a:t>Select ”Use this template” button to create your own folk</a:t>
+              <a:t>Select “Use this template” button to create your own fork</a:t>
             </a:r>
           </a:p>
           <a:p>
@@ -16923,7 +16923,7 @@
             <a:pPr marL="1257300" lvl="1" indent="-571500"/>
             <a:r>
               <a:rPr lang="en-US" dirty="0"/>
-              <a:t>Will be used as the first part of you website address</a:t>
+              <a:t>Will be used as the first part of your website address</a:t>
             </a:r>
           </a:p>
           <a:p>
@@ -17024,13 +17024,7 @@
               <a:rPr lang="en-US" dirty="0">
                 <a:hlinkClick r:id="rId2"/>
               </a:rPr>
-              <a:t>Written </a:t>
-            </a:r>
-            <a:r>
-              <a:rPr lang="en-US" dirty="0" err="1">
-                <a:hlinkClick r:id="rId2"/>
-              </a:rPr>
-              <a:t>Guidence</a:t>
+              <a:t>Written Guidance</a:t>
             </a:r>
             <a:endParaRPr lang="en-US" dirty="0"/>
           </a:p>

--- a/git_workshop.pptx
+++ b/git_workshop.pptx
@@ -469,7 +469,7 @@
           <a:p>
             <a:fld id="{12BA60E3-47A0-458A-8473-B13357E4806E}" type="datetimeFigureOut">
               <a:rPr lang="en-US"/>
-              <a:t>5/17/22</a:t>
+              <a:t>5/19/22</a:t>
             </a:fld>
             <a:endParaRPr lang="en-US"/>
           </a:p>
@@ -633,7 +633,7 @@
           <a:p>
             <a:fld id="{D6F4F3B1-FC5A-448B-8D77-240037331276}" type="datetimeFigureOut">
               <a:rPr lang="en-US"/>
-              <a:t>5/17/22</a:t>
+              <a:t>5/19/22</a:t>
             </a:fld>
             <a:endParaRPr lang="en-US"/>
           </a:p>
@@ -1226,7 +1226,7 @@
                 <a:tabLst/>
                 <a:defRPr/>
               </a:pPr>
-              <a:t>5/17/22</a:t>
+              <a:t>5/19/22</a:t>
             </a:fld>
             <a:endParaRPr kumimoji="0" lang="en-US" sz="1200" b="0" i="0" u="none" strike="noStrike" kern="1200" cap="none" spc="0" normalizeH="0" baseline="0" noProof="0">
               <a:ln>
@@ -1589,7 +1589,7 @@
                 <a:tabLst/>
                 <a:defRPr/>
               </a:pPr>
-              <a:t>5/17/22</a:t>
+              <a:t>5/19/22</a:t>
             </a:fld>
             <a:endParaRPr kumimoji="0" lang="en-US" sz="1200" b="0" i="0" u="none" strike="noStrike" kern="1200" cap="none" spc="0" normalizeH="0" baseline="0" noProof="0">
               <a:ln>
@@ -1949,7 +1949,7 @@
                 <a:tabLst/>
                 <a:defRPr/>
               </a:pPr>
-              <a:t>5/17/22</a:t>
+              <a:t>5/19/22</a:t>
             </a:fld>
             <a:endParaRPr kumimoji="0" lang="en-US" sz="1200" b="0" i="0" u="none" strike="noStrike" kern="1200" cap="none" spc="0" normalizeH="0" baseline="0" noProof="0">
               <a:ln>
@@ -2309,7 +2309,7 @@
                 <a:tabLst/>
                 <a:defRPr/>
               </a:pPr>
-              <a:t>5/17/22</a:t>
+              <a:t>5/19/22</a:t>
             </a:fld>
             <a:endParaRPr kumimoji="0" lang="en-US" sz="1200" b="0" i="0" u="none" strike="noStrike" kern="1200" cap="none" spc="0" normalizeH="0" baseline="0" noProof="0">
               <a:ln>
@@ -2669,7 +2669,7 @@
                 <a:tabLst/>
                 <a:defRPr/>
               </a:pPr>
-              <a:t>5/17/22</a:t>
+              <a:t>5/19/22</a:t>
             </a:fld>
             <a:endParaRPr kumimoji="0" lang="en-US" sz="1200" b="0" i="0" u="none" strike="noStrike" kern="1200" cap="none" spc="0" normalizeH="0" baseline="0" noProof="0">
               <a:ln>
@@ -3029,7 +3029,7 @@
                 <a:tabLst/>
                 <a:defRPr/>
               </a:pPr>
-              <a:t>5/17/22</a:t>
+              <a:t>5/19/22</a:t>
             </a:fld>
             <a:endParaRPr kumimoji="0" lang="en-US" sz="1200" b="0" i="0" u="none" strike="noStrike" kern="1200" cap="none" spc="0" normalizeH="0" baseline="0" noProof="0">
               <a:ln>
@@ -3392,7 +3392,7 @@
                 <a:tabLst/>
                 <a:defRPr/>
               </a:pPr>
-              <a:t>5/17/22</a:t>
+              <a:t>5/19/22</a:t>
             </a:fld>
             <a:endParaRPr kumimoji="0" lang="en-US" sz="1200" b="0" i="0" u="none" strike="noStrike" kern="1200" cap="none" spc="0" normalizeH="0" baseline="0" noProof="0">
               <a:ln>
@@ -6323,7 +6323,19 @@
           </a:lstStyle>
           <a:p>
             <a:pPr lvl="0"/>
-            <a:endParaRPr lang="en-GB"/>
+            <a:r>
+              <a:rPr lang="en-GB" dirty="0" err="1"/>
+              <a:t>shorturl.at</a:t>
+            </a:r>
+            <a:r>
+              <a:rPr lang="en-GB" dirty="0"/>
+              <a:t>/</a:t>
+            </a:r>
+            <a:r>
+              <a:rPr lang="en-GB" dirty="0" err="1"/>
+              <a:t>adgrQ</a:t>
+            </a:r>
+            <a:endParaRPr lang="en-GB" dirty="0"/>
           </a:p>
         </p:txBody>
       </p:sp>
@@ -6756,6 +6768,92 @@
           </a:p>
         </p:txBody>
       </p:sp>
+      <p:sp>
+        <p:nvSpPr>
+          <p:cNvPr id="5" name="TextBox 4">
+            <a:extLst>
+              <a:ext uri="{FF2B5EF4-FFF2-40B4-BE49-F238E27FC236}">
+                <a16:creationId xmlns:a16="http://schemas.microsoft.com/office/drawing/2014/main" id="{45E3BA10-7664-0146-82EC-16FE9FCB4646}"/>
+              </a:ext>
+            </a:extLst>
+          </p:cNvPr>
+          <p:cNvSpPr txBox="1"/>
+          <p:nvPr/>
+        </p:nvSpPr>
+        <p:spPr>
+          <a:xfrm>
+            <a:off x="2518785" y="6991989"/>
+            <a:ext cx="5043054" cy="369332"/>
+          </a:xfrm>
+          <a:prstGeom prst="rect">
+            <a:avLst/>
+          </a:prstGeom>
+          <a:noFill/>
+        </p:spPr>
+        <p:txBody>
+          <a:bodyPr wrap="square">
+            <a:spAutoFit/>
+          </a:bodyPr>
+          <a:lstStyle/>
+          <a:p>
+            <a:r>
+              <a:rPr lang="en-US" dirty="0" err="1">
+                <a:hlinkClick r:id="rId3"/>
+              </a:rPr>
+              <a:t>shorturl.at</a:t>
+            </a:r>
+            <a:r>
+              <a:rPr lang="en-US" dirty="0">
+                <a:hlinkClick r:id="rId3"/>
+              </a:rPr>
+              <a:t>/</a:t>
+            </a:r>
+            <a:r>
+              <a:rPr lang="en-US" dirty="0" err="1">
+                <a:hlinkClick r:id="rId3"/>
+              </a:rPr>
+              <a:t>adgrQ</a:t>
+            </a:r>
+            <a:endParaRPr lang="en-US" dirty="0"/>
+          </a:p>
+        </p:txBody>
+      </p:sp>
+      <p:pic>
+        <p:nvPicPr>
+          <p:cNvPr id="7" name="Picture 6" descr="Qr code&#10;&#10;Description automatically generated">
+            <a:extLst>
+              <a:ext uri="{FF2B5EF4-FFF2-40B4-BE49-F238E27FC236}">
+                <a16:creationId xmlns:a16="http://schemas.microsoft.com/office/drawing/2014/main" id="{A9955F7B-0ABE-C846-BC58-A5F390A1FD00}"/>
+              </a:ext>
+            </a:extLst>
+          </p:cNvPr>
+          <p:cNvPicPr>
+            <a:picLocks noChangeAspect="1"/>
+          </p:cNvPicPr>
+          <p:nvPr/>
+        </p:nvPicPr>
+        <p:blipFill>
+          <a:blip r:embed="rId4">
+            <a:extLst>
+              <a:ext uri="{28A0092B-C50C-407E-A947-70E740481C1C}">
+                <a14:useLocalDpi xmlns:a14="http://schemas.microsoft.com/office/drawing/2010/main" val="0"/>
+              </a:ext>
+            </a:extLst>
+          </a:blip>
+          <a:stretch>
+            <a:fillRect/>
+          </a:stretch>
+        </p:blipFill>
+        <p:spPr>
+          <a:xfrm>
+            <a:off x="8175625" y="5654675"/>
+            <a:ext cx="1905000" cy="1905000"/>
+          </a:xfrm>
+          <a:prstGeom prst="rect">
+            <a:avLst/>
+          </a:prstGeom>
+        </p:spPr>
+      </p:pic>
     </p:spTree>
   </p:cSld>
   <p:clrMapOvr>
@@ -6854,6 +6952,92 @@
           </a:p>
         </p:txBody>
       </p:sp>
+      <p:sp>
+        <p:nvSpPr>
+          <p:cNvPr id="4" name="TextBox 3">
+            <a:extLst>
+              <a:ext uri="{FF2B5EF4-FFF2-40B4-BE49-F238E27FC236}">
+                <a16:creationId xmlns:a16="http://schemas.microsoft.com/office/drawing/2014/main" id="{43C9C743-FB02-194E-8097-D5BB0E0DFC23}"/>
+              </a:ext>
+            </a:extLst>
+          </p:cNvPr>
+          <p:cNvSpPr txBox="1"/>
+          <p:nvPr/>
+        </p:nvSpPr>
+        <p:spPr>
+          <a:xfrm>
+            <a:off x="2518785" y="7005844"/>
+            <a:ext cx="5043054" cy="369332"/>
+          </a:xfrm>
+          <a:prstGeom prst="rect">
+            <a:avLst/>
+          </a:prstGeom>
+          <a:noFill/>
+        </p:spPr>
+        <p:txBody>
+          <a:bodyPr wrap="square">
+            <a:spAutoFit/>
+          </a:bodyPr>
+          <a:lstStyle/>
+          <a:p>
+            <a:r>
+              <a:rPr lang="en-US" dirty="0" err="1">
+                <a:hlinkClick r:id="rId3"/>
+              </a:rPr>
+              <a:t>shorturl.at</a:t>
+            </a:r>
+            <a:r>
+              <a:rPr lang="en-US" dirty="0">
+                <a:hlinkClick r:id="rId3"/>
+              </a:rPr>
+              <a:t>/</a:t>
+            </a:r>
+            <a:r>
+              <a:rPr lang="en-US" dirty="0" err="1">
+                <a:hlinkClick r:id="rId3"/>
+              </a:rPr>
+              <a:t>adgrQ</a:t>
+            </a:r>
+            <a:endParaRPr lang="en-US" dirty="0"/>
+          </a:p>
+        </p:txBody>
+      </p:sp>
+      <p:pic>
+        <p:nvPicPr>
+          <p:cNvPr id="5" name="Picture 4" descr="Qr code&#10;&#10;Description automatically generated">
+            <a:extLst>
+              <a:ext uri="{FF2B5EF4-FFF2-40B4-BE49-F238E27FC236}">
+                <a16:creationId xmlns:a16="http://schemas.microsoft.com/office/drawing/2014/main" id="{8D9C77EA-F805-A04B-A026-5258D634E628}"/>
+              </a:ext>
+            </a:extLst>
+          </p:cNvPr>
+          <p:cNvPicPr>
+            <a:picLocks noChangeAspect="1"/>
+          </p:cNvPicPr>
+          <p:nvPr/>
+        </p:nvPicPr>
+        <p:blipFill>
+          <a:blip r:embed="rId4">
+            <a:extLst>
+              <a:ext uri="{28A0092B-C50C-407E-A947-70E740481C1C}">
+                <a14:useLocalDpi xmlns:a14="http://schemas.microsoft.com/office/drawing/2010/main" val="0"/>
+              </a:ext>
+            </a:extLst>
+          </a:blip>
+          <a:stretch>
+            <a:fillRect/>
+          </a:stretch>
+        </p:blipFill>
+        <p:spPr>
+          <a:xfrm>
+            <a:off x="8175625" y="5668530"/>
+            <a:ext cx="1905000" cy="1905000"/>
+          </a:xfrm>
+          <a:prstGeom prst="rect">
+            <a:avLst/>
+          </a:prstGeom>
+        </p:spPr>
+      </p:pic>
     </p:spTree>
     <p:extLst>
       <p:ext uri="{BB962C8B-B14F-4D97-AF65-F5344CB8AC3E}">
@@ -7226,6 +7410,92 @@
           </a:p>
         </p:txBody>
       </p:sp>
+      <p:sp>
+        <p:nvSpPr>
+          <p:cNvPr id="4" name="TextBox 3">
+            <a:extLst>
+              <a:ext uri="{FF2B5EF4-FFF2-40B4-BE49-F238E27FC236}">
+                <a16:creationId xmlns:a16="http://schemas.microsoft.com/office/drawing/2014/main" id="{2CBF5DA3-41B0-5546-B508-80E6E3AA4114}"/>
+              </a:ext>
+            </a:extLst>
+          </p:cNvPr>
+          <p:cNvSpPr txBox="1"/>
+          <p:nvPr/>
+        </p:nvSpPr>
+        <p:spPr>
+          <a:xfrm>
+            <a:off x="2518785" y="6991989"/>
+            <a:ext cx="5043054" cy="369332"/>
+          </a:xfrm>
+          <a:prstGeom prst="rect">
+            <a:avLst/>
+          </a:prstGeom>
+          <a:noFill/>
+        </p:spPr>
+        <p:txBody>
+          <a:bodyPr wrap="square">
+            <a:spAutoFit/>
+          </a:bodyPr>
+          <a:lstStyle/>
+          <a:p>
+            <a:r>
+              <a:rPr lang="en-US" dirty="0" err="1">
+                <a:hlinkClick r:id="rId2"/>
+              </a:rPr>
+              <a:t>shorturl.at</a:t>
+            </a:r>
+            <a:r>
+              <a:rPr lang="en-US" dirty="0">
+                <a:hlinkClick r:id="rId2"/>
+              </a:rPr>
+              <a:t>/</a:t>
+            </a:r>
+            <a:r>
+              <a:rPr lang="en-US" dirty="0" err="1">
+                <a:hlinkClick r:id="rId2"/>
+              </a:rPr>
+              <a:t>adgrQ</a:t>
+            </a:r>
+            <a:endParaRPr lang="en-US" dirty="0"/>
+          </a:p>
+        </p:txBody>
+      </p:sp>
+      <p:pic>
+        <p:nvPicPr>
+          <p:cNvPr id="5" name="Picture 4" descr="Qr code&#10;&#10;Description automatically generated">
+            <a:extLst>
+              <a:ext uri="{FF2B5EF4-FFF2-40B4-BE49-F238E27FC236}">
+                <a16:creationId xmlns:a16="http://schemas.microsoft.com/office/drawing/2014/main" id="{5197FBE6-D070-734B-AA30-677DBD6CC330}"/>
+              </a:ext>
+            </a:extLst>
+          </p:cNvPr>
+          <p:cNvPicPr>
+            <a:picLocks noChangeAspect="1"/>
+          </p:cNvPicPr>
+          <p:nvPr/>
+        </p:nvPicPr>
+        <p:blipFill>
+          <a:blip r:embed="rId3">
+            <a:extLst>
+              <a:ext uri="{28A0092B-C50C-407E-A947-70E740481C1C}">
+                <a14:useLocalDpi xmlns:a14="http://schemas.microsoft.com/office/drawing/2010/main" val="0"/>
+              </a:ext>
+            </a:extLst>
+          </a:blip>
+          <a:stretch>
+            <a:fillRect/>
+          </a:stretch>
+        </p:blipFill>
+        <p:spPr>
+          <a:xfrm>
+            <a:off x="8175625" y="5654675"/>
+            <a:ext cx="1905000" cy="1905000"/>
+          </a:xfrm>
+          <a:prstGeom prst="rect">
+            <a:avLst/>
+          </a:prstGeom>
+        </p:spPr>
+      </p:pic>
     </p:spTree>
     <p:extLst>
       <p:ext uri="{BB962C8B-B14F-4D97-AF65-F5344CB8AC3E}">
@@ -8063,6 +8333,92 @@
           </a:p>
         </p:txBody>
       </p:sp>
+      <p:sp>
+        <p:nvSpPr>
+          <p:cNvPr id="13" name="TextBox 12">
+            <a:extLst>
+              <a:ext uri="{FF2B5EF4-FFF2-40B4-BE49-F238E27FC236}">
+                <a16:creationId xmlns:a16="http://schemas.microsoft.com/office/drawing/2014/main" id="{76F4BADA-5877-2D43-9532-5568689178B5}"/>
+              </a:ext>
+            </a:extLst>
+          </p:cNvPr>
+          <p:cNvSpPr txBox="1"/>
+          <p:nvPr/>
+        </p:nvSpPr>
+        <p:spPr>
+          <a:xfrm>
+            <a:off x="2518785" y="6991989"/>
+            <a:ext cx="5043054" cy="369332"/>
+          </a:xfrm>
+          <a:prstGeom prst="rect">
+            <a:avLst/>
+          </a:prstGeom>
+          <a:noFill/>
+        </p:spPr>
+        <p:txBody>
+          <a:bodyPr wrap="square">
+            <a:spAutoFit/>
+          </a:bodyPr>
+          <a:lstStyle/>
+          <a:p>
+            <a:r>
+              <a:rPr lang="en-US" dirty="0" err="1">
+                <a:hlinkClick r:id="rId3"/>
+              </a:rPr>
+              <a:t>shorturl.at</a:t>
+            </a:r>
+            <a:r>
+              <a:rPr lang="en-US" dirty="0">
+                <a:hlinkClick r:id="rId3"/>
+              </a:rPr>
+              <a:t>/</a:t>
+            </a:r>
+            <a:r>
+              <a:rPr lang="en-US" dirty="0" err="1">
+                <a:hlinkClick r:id="rId3"/>
+              </a:rPr>
+              <a:t>adgrQ</a:t>
+            </a:r>
+            <a:endParaRPr lang="en-US" dirty="0"/>
+          </a:p>
+        </p:txBody>
+      </p:sp>
+      <p:pic>
+        <p:nvPicPr>
+          <p:cNvPr id="14" name="Picture 13" descr="Qr code&#10;&#10;Description automatically generated">
+            <a:extLst>
+              <a:ext uri="{FF2B5EF4-FFF2-40B4-BE49-F238E27FC236}">
+                <a16:creationId xmlns:a16="http://schemas.microsoft.com/office/drawing/2014/main" id="{31E9B44D-0AA4-F949-8EDC-98BD24E1B47F}"/>
+              </a:ext>
+            </a:extLst>
+          </p:cNvPr>
+          <p:cNvPicPr>
+            <a:picLocks noChangeAspect="1"/>
+          </p:cNvPicPr>
+          <p:nvPr/>
+        </p:nvPicPr>
+        <p:blipFill>
+          <a:blip r:embed="rId4">
+            <a:extLst>
+              <a:ext uri="{28A0092B-C50C-407E-A947-70E740481C1C}">
+                <a14:useLocalDpi xmlns:a14="http://schemas.microsoft.com/office/drawing/2010/main" val="0"/>
+              </a:ext>
+            </a:extLst>
+          </a:blip>
+          <a:stretch>
+            <a:fillRect/>
+          </a:stretch>
+        </p:blipFill>
+        <p:spPr>
+          <a:xfrm>
+            <a:off x="8175625" y="5654675"/>
+            <a:ext cx="1905000" cy="1905000"/>
+          </a:xfrm>
+          <a:prstGeom prst="rect">
+            <a:avLst/>
+          </a:prstGeom>
+        </p:spPr>
+      </p:pic>
     </p:spTree>
   </p:cSld>
   <p:clrMapOvr>
@@ -9451,6 +9807,92 @@
           </a:p>
         </p:txBody>
       </p:sp>
+      <p:sp>
+        <p:nvSpPr>
+          <p:cNvPr id="15" name="TextBox 14">
+            <a:extLst>
+              <a:ext uri="{FF2B5EF4-FFF2-40B4-BE49-F238E27FC236}">
+                <a16:creationId xmlns:a16="http://schemas.microsoft.com/office/drawing/2014/main" id="{0218C63C-608C-9B42-AD67-6605EF53D4D7}"/>
+              </a:ext>
+            </a:extLst>
+          </p:cNvPr>
+          <p:cNvSpPr txBox="1"/>
+          <p:nvPr/>
+        </p:nvSpPr>
+        <p:spPr>
+          <a:xfrm>
+            <a:off x="2518785" y="6991989"/>
+            <a:ext cx="5043054" cy="369332"/>
+          </a:xfrm>
+          <a:prstGeom prst="rect">
+            <a:avLst/>
+          </a:prstGeom>
+          <a:noFill/>
+        </p:spPr>
+        <p:txBody>
+          <a:bodyPr wrap="square">
+            <a:spAutoFit/>
+          </a:bodyPr>
+          <a:lstStyle/>
+          <a:p>
+            <a:r>
+              <a:rPr lang="en-US" dirty="0" err="1">
+                <a:hlinkClick r:id="rId4"/>
+              </a:rPr>
+              <a:t>shorturl.at</a:t>
+            </a:r>
+            <a:r>
+              <a:rPr lang="en-US" dirty="0">
+                <a:hlinkClick r:id="rId4"/>
+              </a:rPr>
+              <a:t>/</a:t>
+            </a:r>
+            <a:r>
+              <a:rPr lang="en-US" dirty="0" err="1">
+                <a:hlinkClick r:id="rId4"/>
+              </a:rPr>
+              <a:t>adgrQ</a:t>
+            </a:r>
+            <a:endParaRPr lang="en-US" dirty="0"/>
+          </a:p>
+        </p:txBody>
+      </p:sp>
+      <p:pic>
+        <p:nvPicPr>
+          <p:cNvPr id="16" name="Picture 15" descr="Qr code&#10;&#10;Description automatically generated">
+            <a:extLst>
+              <a:ext uri="{FF2B5EF4-FFF2-40B4-BE49-F238E27FC236}">
+                <a16:creationId xmlns:a16="http://schemas.microsoft.com/office/drawing/2014/main" id="{5AB9BC9D-C882-B145-AC75-C64556CEC072}"/>
+              </a:ext>
+            </a:extLst>
+          </p:cNvPr>
+          <p:cNvPicPr>
+            <a:picLocks noChangeAspect="1"/>
+          </p:cNvPicPr>
+          <p:nvPr/>
+        </p:nvPicPr>
+        <p:blipFill>
+          <a:blip r:embed="rId5">
+            <a:extLst>
+              <a:ext uri="{28A0092B-C50C-407E-A947-70E740481C1C}">
+                <a14:useLocalDpi xmlns:a14="http://schemas.microsoft.com/office/drawing/2010/main" val="0"/>
+              </a:ext>
+            </a:extLst>
+          </a:blip>
+          <a:stretch>
+            <a:fillRect/>
+          </a:stretch>
+        </p:blipFill>
+        <p:spPr>
+          <a:xfrm>
+            <a:off x="8175625" y="5654675"/>
+            <a:ext cx="1905000" cy="1905000"/>
+          </a:xfrm>
+          <a:prstGeom prst="rect">
+            <a:avLst/>
+          </a:prstGeom>
+        </p:spPr>
+      </p:pic>
     </p:spTree>
   </p:cSld>
   <p:clrMapOvr>
@@ -9544,6 +9986,92 @@
           </a:p>
         </p:txBody>
       </p:sp>
+      <p:sp>
+        <p:nvSpPr>
+          <p:cNvPr id="4" name="TextBox 3">
+            <a:extLst>
+              <a:ext uri="{FF2B5EF4-FFF2-40B4-BE49-F238E27FC236}">
+                <a16:creationId xmlns:a16="http://schemas.microsoft.com/office/drawing/2014/main" id="{FA0F750F-6064-8646-9961-C168A8396709}"/>
+              </a:ext>
+            </a:extLst>
+          </p:cNvPr>
+          <p:cNvSpPr txBox="1"/>
+          <p:nvPr/>
+        </p:nvSpPr>
+        <p:spPr>
+          <a:xfrm>
+            <a:off x="2518785" y="6991989"/>
+            <a:ext cx="5043054" cy="369332"/>
+          </a:xfrm>
+          <a:prstGeom prst="rect">
+            <a:avLst/>
+          </a:prstGeom>
+          <a:noFill/>
+        </p:spPr>
+        <p:txBody>
+          <a:bodyPr wrap="square">
+            <a:spAutoFit/>
+          </a:bodyPr>
+          <a:lstStyle/>
+          <a:p>
+            <a:r>
+              <a:rPr lang="en-US" dirty="0" err="1">
+                <a:hlinkClick r:id="rId2"/>
+              </a:rPr>
+              <a:t>shorturl.at</a:t>
+            </a:r>
+            <a:r>
+              <a:rPr lang="en-US" dirty="0">
+                <a:hlinkClick r:id="rId2"/>
+              </a:rPr>
+              <a:t>/</a:t>
+            </a:r>
+            <a:r>
+              <a:rPr lang="en-US" dirty="0" err="1">
+                <a:hlinkClick r:id="rId2"/>
+              </a:rPr>
+              <a:t>adgrQ</a:t>
+            </a:r>
+            <a:endParaRPr lang="en-US" dirty="0"/>
+          </a:p>
+        </p:txBody>
+      </p:sp>
+      <p:pic>
+        <p:nvPicPr>
+          <p:cNvPr id="5" name="Picture 4" descr="Qr code&#10;&#10;Description automatically generated">
+            <a:extLst>
+              <a:ext uri="{FF2B5EF4-FFF2-40B4-BE49-F238E27FC236}">
+                <a16:creationId xmlns:a16="http://schemas.microsoft.com/office/drawing/2014/main" id="{D4846231-9F28-544B-BBFC-B031EE6249D4}"/>
+              </a:ext>
+            </a:extLst>
+          </p:cNvPr>
+          <p:cNvPicPr>
+            <a:picLocks noChangeAspect="1"/>
+          </p:cNvPicPr>
+          <p:nvPr/>
+        </p:nvPicPr>
+        <p:blipFill>
+          <a:blip r:embed="rId3">
+            <a:extLst>
+              <a:ext uri="{28A0092B-C50C-407E-A947-70E740481C1C}">
+                <a14:useLocalDpi xmlns:a14="http://schemas.microsoft.com/office/drawing/2010/main" val="0"/>
+              </a:ext>
+            </a:extLst>
+          </a:blip>
+          <a:stretch>
+            <a:fillRect/>
+          </a:stretch>
+        </p:blipFill>
+        <p:spPr>
+          <a:xfrm>
+            <a:off x="8175625" y="5654675"/>
+            <a:ext cx="1905000" cy="1905000"/>
+          </a:xfrm>
+          <a:prstGeom prst="rect">
+            <a:avLst/>
+          </a:prstGeom>
+        </p:spPr>
+      </p:pic>
     </p:spTree>
     <p:extLst>
       <p:ext uri="{BB962C8B-B14F-4D97-AF65-F5344CB8AC3E}">
@@ -9645,6 +10173,92 @@
           </a:p>
         </p:txBody>
       </p:sp>
+      <p:sp>
+        <p:nvSpPr>
+          <p:cNvPr id="4" name="TextBox 3">
+            <a:extLst>
+              <a:ext uri="{FF2B5EF4-FFF2-40B4-BE49-F238E27FC236}">
+                <a16:creationId xmlns:a16="http://schemas.microsoft.com/office/drawing/2014/main" id="{0766A1E3-FFDC-0C4C-BF65-6C1BF384CC0C}"/>
+              </a:ext>
+            </a:extLst>
+          </p:cNvPr>
+          <p:cNvSpPr txBox="1"/>
+          <p:nvPr/>
+        </p:nvSpPr>
+        <p:spPr>
+          <a:xfrm>
+            <a:off x="2518785" y="6991989"/>
+            <a:ext cx="5043054" cy="369332"/>
+          </a:xfrm>
+          <a:prstGeom prst="rect">
+            <a:avLst/>
+          </a:prstGeom>
+          <a:noFill/>
+        </p:spPr>
+        <p:txBody>
+          <a:bodyPr wrap="square">
+            <a:spAutoFit/>
+          </a:bodyPr>
+          <a:lstStyle/>
+          <a:p>
+            <a:r>
+              <a:rPr lang="en-US" dirty="0" err="1">
+                <a:hlinkClick r:id="rId2"/>
+              </a:rPr>
+              <a:t>shorturl.at</a:t>
+            </a:r>
+            <a:r>
+              <a:rPr lang="en-US" dirty="0">
+                <a:hlinkClick r:id="rId2"/>
+              </a:rPr>
+              <a:t>/</a:t>
+            </a:r>
+            <a:r>
+              <a:rPr lang="en-US" dirty="0" err="1">
+                <a:hlinkClick r:id="rId2"/>
+              </a:rPr>
+              <a:t>adgrQ</a:t>
+            </a:r>
+            <a:endParaRPr lang="en-US" dirty="0"/>
+          </a:p>
+        </p:txBody>
+      </p:sp>
+      <p:pic>
+        <p:nvPicPr>
+          <p:cNvPr id="5" name="Picture 4" descr="Qr code&#10;&#10;Description automatically generated">
+            <a:extLst>
+              <a:ext uri="{FF2B5EF4-FFF2-40B4-BE49-F238E27FC236}">
+                <a16:creationId xmlns:a16="http://schemas.microsoft.com/office/drawing/2014/main" id="{4D839F42-EF8E-9E47-97E8-2CC0382B0DAB}"/>
+              </a:ext>
+            </a:extLst>
+          </p:cNvPr>
+          <p:cNvPicPr>
+            <a:picLocks noChangeAspect="1"/>
+          </p:cNvPicPr>
+          <p:nvPr/>
+        </p:nvPicPr>
+        <p:blipFill>
+          <a:blip r:embed="rId3">
+            <a:extLst>
+              <a:ext uri="{28A0092B-C50C-407E-A947-70E740481C1C}">
+                <a14:useLocalDpi xmlns:a14="http://schemas.microsoft.com/office/drawing/2010/main" val="0"/>
+              </a:ext>
+            </a:extLst>
+          </a:blip>
+          <a:stretch>
+            <a:fillRect/>
+          </a:stretch>
+        </p:blipFill>
+        <p:spPr>
+          <a:xfrm>
+            <a:off x="8175625" y="5654675"/>
+            <a:ext cx="1905000" cy="1905000"/>
+          </a:xfrm>
+          <a:prstGeom prst="rect">
+            <a:avLst/>
+          </a:prstGeom>
+        </p:spPr>
+      </p:pic>
     </p:spTree>
     <p:extLst>
       <p:ext uri="{BB962C8B-B14F-4D97-AF65-F5344CB8AC3E}">
@@ -9840,6 +10454,92 @@
           </a:p>
         </p:txBody>
       </p:sp>
+      <p:sp>
+        <p:nvSpPr>
+          <p:cNvPr id="4" name="TextBox 3">
+            <a:extLst>
+              <a:ext uri="{FF2B5EF4-FFF2-40B4-BE49-F238E27FC236}">
+                <a16:creationId xmlns:a16="http://schemas.microsoft.com/office/drawing/2014/main" id="{0B7B1D78-8F38-664C-9F4F-1F9EEFD398E3}"/>
+              </a:ext>
+            </a:extLst>
+          </p:cNvPr>
+          <p:cNvSpPr txBox="1"/>
+          <p:nvPr/>
+        </p:nvSpPr>
+        <p:spPr>
+          <a:xfrm>
+            <a:off x="2518785" y="6991989"/>
+            <a:ext cx="5043054" cy="369332"/>
+          </a:xfrm>
+          <a:prstGeom prst="rect">
+            <a:avLst/>
+          </a:prstGeom>
+          <a:noFill/>
+        </p:spPr>
+        <p:txBody>
+          <a:bodyPr wrap="square">
+            <a:spAutoFit/>
+          </a:bodyPr>
+          <a:lstStyle/>
+          <a:p>
+            <a:r>
+              <a:rPr lang="en-US" dirty="0" err="1">
+                <a:hlinkClick r:id="rId2"/>
+              </a:rPr>
+              <a:t>shorturl.at</a:t>
+            </a:r>
+            <a:r>
+              <a:rPr lang="en-US" dirty="0">
+                <a:hlinkClick r:id="rId2"/>
+              </a:rPr>
+              <a:t>/</a:t>
+            </a:r>
+            <a:r>
+              <a:rPr lang="en-US" dirty="0" err="1">
+                <a:hlinkClick r:id="rId2"/>
+              </a:rPr>
+              <a:t>adgrQ</a:t>
+            </a:r>
+            <a:endParaRPr lang="en-US" dirty="0"/>
+          </a:p>
+        </p:txBody>
+      </p:sp>
+      <p:pic>
+        <p:nvPicPr>
+          <p:cNvPr id="5" name="Picture 4" descr="Qr code&#10;&#10;Description automatically generated">
+            <a:extLst>
+              <a:ext uri="{FF2B5EF4-FFF2-40B4-BE49-F238E27FC236}">
+                <a16:creationId xmlns:a16="http://schemas.microsoft.com/office/drawing/2014/main" id="{7E53FA84-71C5-ED40-A69D-047BBD1EC050}"/>
+              </a:ext>
+            </a:extLst>
+          </p:cNvPr>
+          <p:cNvPicPr>
+            <a:picLocks noChangeAspect="1"/>
+          </p:cNvPicPr>
+          <p:nvPr/>
+        </p:nvPicPr>
+        <p:blipFill>
+          <a:blip r:embed="rId3">
+            <a:extLst>
+              <a:ext uri="{28A0092B-C50C-407E-A947-70E740481C1C}">
+                <a14:useLocalDpi xmlns:a14="http://schemas.microsoft.com/office/drawing/2010/main" val="0"/>
+              </a:ext>
+            </a:extLst>
+          </a:blip>
+          <a:stretch>
+            <a:fillRect/>
+          </a:stretch>
+        </p:blipFill>
+        <p:spPr>
+          <a:xfrm>
+            <a:off x="8175625" y="5654675"/>
+            <a:ext cx="1905000" cy="1905000"/>
+          </a:xfrm>
+          <a:prstGeom prst="rect">
+            <a:avLst/>
+          </a:prstGeom>
+        </p:spPr>
+      </p:pic>
     </p:spTree>
     <p:extLst>
       <p:ext uri="{BB962C8B-B14F-4D97-AF65-F5344CB8AC3E}">
@@ -10024,6 +10724,92 @@
           </a:p>
         </p:txBody>
       </p:sp>
+      <p:sp>
+        <p:nvSpPr>
+          <p:cNvPr id="4" name="TextBox 3">
+            <a:extLst>
+              <a:ext uri="{FF2B5EF4-FFF2-40B4-BE49-F238E27FC236}">
+                <a16:creationId xmlns:a16="http://schemas.microsoft.com/office/drawing/2014/main" id="{54AE0F88-7C01-F747-9153-52557559AE09}"/>
+              </a:ext>
+            </a:extLst>
+          </p:cNvPr>
+          <p:cNvSpPr txBox="1"/>
+          <p:nvPr/>
+        </p:nvSpPr>
+        <p:spPr>
+          <a:xfrm>
+            <a:off x="2518785" y="6991989"/>
+            <a:ext cx="5043054" cy="369332"/>
+          </a:xfrm>
+          <a:prstGeom prst="rect">
+            <a:avLst/>
+          </a:prstGeom>
+          <a:noFill/>
+        </p:spPr>
+        <p:txBody>
+          <a:bodyPr wrap="square">
+            <a:spAutoFit/>
+          </a:bodyPr>
+          <a:lstStyle/>
+          <a:p>
+            <a:r>
+              <a:rPr lang="en-US" dirty="0" err="1">
+                <a:hlinkClick r:id="rId2"/>
+              </a:rPr>
+              <a:t>shorturl.at</a:t>
+            </a:r>
+            <a:r>
+              <a:rPr lang="en-US" dirty="0">
+                <a:hlinkClick r:id="rId2"/>
+              </a:rPr>
+              <a:t>/</a:t>
+            </a:r>
+            <a:r>
+              <a:rPr lang="en-US" dirty="0" err="1">
+                <a:hlinkClick r:id="rId2"/>
+              </a:rPr>
+              <a:t>adgrQ</a:t>
+            </a:r>
+            <a:endParaRPr lang="en-US" dirty="0"/>
+          </a:p>
+        </p:txBody>
+      </p:sp>
+      <p:pic>
+        <p:nvPicPr>
+          <p:cNvPr id="5" name="Picture 4" descr="Qr code&#10;&#10;Description automatically generated">
+            <a:extLst>
+              <a:ext uri="{FF2B5EF4-FFF2-40B4-BE49-F238E27FC236}">
+                <a16:creationId xmlns:a16="http://schemas.microsoft.com/office/drawing/2014/main" id="{2073C152-BDD9-1542-9034-B244D092E1D4}"/>
+              </a:ext>
+            </a:extLst>
+          </p:cNvPr>
+          <p:cNvPicPr>
+            <a:picLocks noChangeAspect="1"/>
+          </p:cNvPicPr>
+          <p:nvPr/>
+        </p:nvPicPr>
+        <p:blipFill>
+          <a:blip r:embed="rId3">
+            <a:extLst>
+              <a:ext uri="{28A0092B-C50C-407E-A947-70E740481C1C}">
+                <a14:useLocalDpi xmlns:a14="http://schemas.microsoft.com/office/drawing/2010/main" val="0"/>
+              </a:ext>
+            </a:extLst>
+          </a:blip>
+          <a:stretch>
+            <a:fillRect/>
+          </a:stretch>
+        </p:blipFill>
+        <p:spPr>
+          <a:xfrm>
+            <a:off x="8175625" y="5654675"/>
+            <a:ext cx="1905000" cy="1905000"/>
+          </a:xfrm>
+          <a:prstGeom prst="rect">
+            <a:avLst/>
+          </a:prstGeom>
+        </p:spPr>
+      </p:pic>
     </p:spTree>
     <p:extLst>
       <p:ext uri="{BB962C8B-B14F-4D97-AF65-F5344CB8AC3E}">
@@ -10223,6 +11009,92 @@
           </a:p>
         </p:txBody>
       </p:sp>
+      <p:sp>
+        <p:nvSpPr>
+          <p:cNvPr id="4" name="TextBox 3">
+            <a:extLst>
+              <a:ext uri="{FF2B5EF4-FFF2-40B4-BE49-F238E27FC236}">
+                <a16:creationId xmlns:a16="http://schemas.microsoft.com/office/drawing/2014/main" id="{B2A625A9-992F-9349-BBE7-AF941C131057}"/>
+              </a:ext>
+            </a:extLst>
+          </p:cNvPr>
+          <p:cNvSpPr txBox="1"/>
+          <p:nvPr/>
+        </p:nvSpPr>
+        <p:spPr>
+          <a:xfrm>
+            <a:off x="2518785" y="6991989"/>
+            <a:ext cx="5043054" cy="369332"/>
+          </a:xfrm>
+          <a:prstGeom prst="rect">
+            <a:avLst/>
+          </a:prstGeom>
+          <a:noFill/>
+        </p:spPr>
+        <p:txBody>
+          <a:bodyPr wrap="square">
+            <a:spAutoFit/>
+          </a:bodyPr>
+          <a:lstStyle/>
+          <a:p>
+            <a:r>
+              <a:rPr lang="en-US" dirty="0" err="1">
+                <a:hlinkClick r:id="rId2"/>
+              </a:rPr>
+              <a:t>shorturl.at</a:t>
+            </a:r>
+            <a:r>
+              <a:rPr lang="en-US" dirty="0">
+                <a:hlinkClick r:id="rId2"/>
+              </a:rPr>
+              <a:t>/</a:t>
+            </a:r>
+            <a:r>
+              <a:rPr lang="en-US" dirty="0" err="1">
+                <a:hlinkClick r:id="rId2"/>
+              </a:rPr>
+              <a:t>adgrQ</a:t>
+            </a:r>
+            <a:endParaRPr lang="en-US" dirty="0"/>
+          </a:p>
+        </p:txBody>
+      </p:sp>
+      <p:pic>
+        <p:nvPicPr>
+          <p:cNvPr id="5" name="Picture 4" descr="Qr code&#10;&#10;Description automatically generated">
+            <a:extLst>
+              <a:ext uri="{FF2B5EF4-FFF2-40B4-BE49-F238E27FC236}">
+                <a16:creationId xmlns:a16="http://schemas.microsoft.com/office/drawing/2014/main" id="{32F5D2AC-36AD-3F48-A1E3-26989C6DD00C}"/>
+              </a:ext>
+            </a:extLst>
+          </p:cNvPr>
+          <p:cNvPicPr>
+            <a:picLocks noChangeAspect="1"/>
+          </p:cNvPicPr>
+          <p:nvPr/>
+        </p:nvPicPr>
+        <p:blipFill>
+          <a:blip r:embed="rId3">
+            <a:extLst>
+              <a:ext uri="{28A0092B-C50C-407E-A947-70E740481C1C}">
+                <a14:useLocalDpi xmlns:a14="http://schemas.microsoft.com/office/drawing/2010/main" val="0"/>
+              </a:ext>
+            </a:extLst>
+          </a:blip>
+          <a:stretch>
+            <a:fillRect/>
+          </a:stretch>
+        </p:blipFill>
+        <p:spPr>
+          <a:xfrm>
+            <a:off x="8175625" y="5654675"/>
+            <a:ext cx="1905000" cy="1905000"/>
+          </a:xfrm>
+          <a:prstGeom prst="rect">
+            <a:avLst/>
+          </a:prstGeom>
+        </p:spPr>
+      </p:pic>
     </p:spTree>
     <p:extLst>
       <p:ext uri="{BB962C8B-B14F-4D97-AF65-F5344CB8AC3E}">
@@ -10391,6 +11263,92 @@
           </a:p>
         </p:txBody>
       </p:sp>
+      <p:sp>
+        <p:nvSpPr>
+          <p:cNvPr id="4" name="TextBox 3">
+            <a:extLst>
+              <a:ext uri="{FF2B5EF4-FFF2-40B4-BE49-F238E27FC236}">
+                <a16:creationId xmlns:a16="http://schemas.microsoft.com/office/drawing/2014/main" id="{C737BA0F-44F8-6E41-A667-42D2BCD089BC}"/>
+              </a:ext>
+            </a:extLst>
+          </p:cNvPr>
+          <p:cNvSpPr txBox="1"/>
+          <p:nvPr/>
+        </p:nvSpPr>
+        <p:spPr>
+          <a:xfrm>
+            <a:off x="2518785" y="6991989"/>
+            <a:ext cx="5043054" cy="369332"/>
+          </a:xfrm>
+          <a:prstGeom prst="rect">
+            <a:avLst/>
+          </a:prstGeom>
+          <a:noFill/>
+        </p:spPr>
+        <p:txBody>
+          <a:bodyPr wrap="square">
+            <a:spAutoFit/>
+          </a:bodyPr>
+          <a:lstStyle/>
+          <a:p>
+            <a:r>
+              <a:rPr lang="en-US" dirty="0" err="1">
+                <a:hlinkClick r:id="rId2"/>
+              </a:rPr>
+              <a:t>shorturl.at</a:t>
+            </a:r>
+            <a:r>
+              <a:rPr lang="en-US" dirty="0">
+                <a:hlinkClick r:id="rId2"/>
+              </a:rPr>
+              <a:t>/</a:t>
+            </a:r>
+            <a:r>
+              <a:rPr lang="en-US" dirty="0" err="1">
+                <a:hlinkClick r:id="rId2"/>
+              </a:rPr>
+              <a:t>adgrQ</a:t>
+            </a:r>
+            <a:endParaRPr lang="en-US" dirty="0"/>
+          </a:p>
+        </p:txBody>
+      </p:sp>
+      <p:pic>
+        <p:nvPicPr>
+          <p:cNvPr id="5" name="Picture 4" descr="Qr code&#10;&#10;Description automatically generated">
+            <a:extLst>
+              <a:ext uri="{FF2B5EF4-FFF2-40B4-BE49-F238E27FC236}">
+                <a16:creationId xmlns:a16="http://schemas.microsoft.com/office/drawing/2014/main" id="{5C5BC11E-F0ED-8045-9453-C95B69833A14}"/>
+              </a:ext>
+            </a:extLst>
+          </p:cNvPr>
+          <p:cNvPicPr>
+            <a:picLocks noChangeAspect="1"/>
+          </p:cNvPicPr>
+          <p:nvPr/>
+        </p:nvPicPr>
+        <p:blipFill>
+          <a:blip r:embed="rId3">
+            <a:extLst>
+              <a:ext uri="{28A0092B-C50C-407E-A947-70E740481C1C}">
+                <a14:useLocalDpi xmlns:a14="http://schemas.microsoft.com/office/drawing/2010/main" val="0"/>
+              </a:ext>
+            </a:extLst>
+          </a:blip>
+          <a:stretch>
+            <a:fillRect/>
+          </a:stretch>
+        </p:blipFill>
+        <p:spPr>
+          <a:xfrm>
+            <a:off x="8175625" y="5654675"/>
+            <a:ext cx="1905000" cy="1905000"/>
+          </a:xfrm>
+          <a:prstGeom prst="rect">
+            <a:avLst/>
+          </a:prstGeom>
+        </p:spPr>
+      </p:pic>
     </p:spTree>
     <p:extLst>
       <p:ext uri="{BB962C8B-B14F-4D97-AF65-F5344CB8AC3E}">
@@ -10514,6 +11472,92 @@
           </a:p>
         </p:txBody>
       </p:sp>
+      <p:sp>
+        <p:nvSpPr>
+          <p:cNvPr id="4" name="TextBox 3">
+            <a:extLst>
+              <a:ext uri="{FF2B5EF4-FFF2-40B4-BE49-F238E27FC236}">
+                <a16:creationId xmlns:a16="http://schemas.microsoft.com/office/drawing/2014/main" id="{88B54C85-624C-D84C-9358-3869E5E5E269}"/>
+              </a:ext>
+            </a:extLst>
+          </p:cNvPr>
+          <p:cNvSpPr txBox="1"/>
+          <p:nvPr/>
+        </p:nvSpPr>
+        <p:spPr>
+          <a:xfrm>
+            <a:off x="2518785" y="6991989"/>
+            <a:ext cx="5043054" cy="369332"/>
+          </a:xfrm>
+          <a:prstGeom prst="rect">
+            <a:avLst/>
+          </a:prstGeom>
+          <a:noFill/>
+        </p:spPr>
+        <p:txBody>
+          <a:bodyPr wrap="square">
+            <a:spAutoFit/>
+          </a:bodyPr>
+          <a:lstStyle/>
+          <a:p>
+            <a:r>
+              <a:rPr lang="en-US" dirty="0" err="1">
+                <a:hlinkClick r:id="rId2"/>
+              </a:rPr>
+              <a:t>shorturl.at</a:t>
+            </a:r>
+            <a:r>
+              <a:rPr lang="en-US" dirty="0">
+                <a:hlinkClick r:id="rId2"/>
+              </a:rPr>
+              <a:t>/</a:t>
+            </a:r>
+            <a:r>
+              <a:rPr lang="en-US" dirty="0" err="1">
+                <a:hlinkClick r:id="rId2"/>
+              </a:rPr>
+              <a:t>adgrQ</a:t>
+            </a:r>
+            <a:endParaRPr lang="en-US" dirty="0"/>
+          </a:p>
+        </p:txBody>
+      </p:sp>
+      <p:pic>
+        <p:nvPicPr>
+          <p:cNvPr id="5" name="Picture 4" descr="Qr code&#10;&#10;Description automatically generated">
+            <a:extLst>
+              <a:ext uri="{FF2B5EF4-FFF2-40B4-BE49-F238E27FC236}">
+                <a16:creationId xmlns:a16="http://schemas.microsoft.com/office/drawing/2014/main" id="{123C8F61-8701-DA48-81CD-2827B2927553}"/>
+              </a:ext>
+            </a:extLst>
+          </p:cNvPr>
+          <p:cNvPicPr>
+            <a:picLocks noChangeAspect="1"/>
+          </p:cNvPicPr>
+          <p:nvPr/>
+        </p:nvPicPr>
+        <p:blipFill>
+          <a:blip r:embed="rId3">
+            <a:extLst>
+              <a:ext uri="{28A0092B-C50C-407E-A947-70E740481C1C}">
+                <a14:useLocalDpi xmlns:a14="http://schemas.microsoft.com/office/drawing/2010/main" val="0"/>
+              </a:ext>
+            </a:extLst>
+          </a:blip>
+          <a:stretch>
+            <a:fillRect/>
+          </a:stretch>
+        </p:blipFill>
+        <p:spPr>
+          <a:xfrm>
+            <a:off x="8175625" y="5654675"/>
+            <a:ext cx="1905000" cy="1905000"/>
+          </a:xfrm>
+          <a:prstGeom prst="rect">
+            <a:avLst/>
+          </a:prstGeom>
+        </p:spPr>
+      </p:pic>
     </p:spTree>
     <p:extLst>
       <p:ext uri="{BB962C8B-B14F-4D97-AF65-F5344CB8AC3E}">
@@ -10656,6 +11700,92 @@
           </a:p>
         </p:txBody>
       </p:sp>
+      <p:sp>
+        <p:nvSpPr>
+          <p:cNvPr id="4" name="TextBox 3">
+            <a:extLst>
+              <a:ext uri="{FF2B5EF4-FFF2-40B4-BE49-F238E27FC236}">
+                <a16:creationId xmlns:a16="http://schemas.microsoft.com/office/drawing/2014/main" id="{4CBBC491-97E9-7A4D-89E5-433E5F3F6E71}"/>
+              </a:ext>
+            </a:extLst>
+          </p:cNvPr>
+          <p:cNvSpPr txBox="1"/>
+          <p:nvPr/>
+        </p:nvSpPr>
+        <p:spPr>
+          <a:xfrm>
+            <a:off x="2518785" y="6991989"/>
+            <a:ext cx="5043054" cy="369332"/>
+          </a:xfrm>
+          <a:prstGeom prst="rect">
+            <a:avLst/>
+          </a:prstGeom>
+          <a:noFill/>
+        </p:spPr>
+        <p:txBody>
+          <a:bodyPr wrap="square">
+            <a:spAutoFit/>
+          </a:bodyPr>
+          <a:lstStyle/>
+          <a:p>
+            <a:r>
+              <a:rPr lang="en-US" dirty="0" err="1">
+                <a:hlinkClick r:id="rId2"/>
+              </a:rPr>
+              <a:t>shorturl.at</a:t>
+            </a:r>
+            <a:r>
+              <a:rPr lang="en-US" dirty="0">
+                <a:hlinkClick r:id="rId2"/>
+              </a:rPr>
+              <a:t>/</a:t>
+            </a:r>
+            <a:r>
+              <a:rPr lang="en-US" dirty="0" err="1">
+                <a:hlinkClick r:id="rId2"/>
+              </a:rPr>
+              <a:t>adgrQ</a:t>
+            </a:r>
+            <a:endParaRPr lang="en-US" dirty="0"/>
+          </a:p>
+        </p:txBody>
+      </p:sp>
+      <p:pic>
+        <p:nvPicPr>
+          <p:cNvPr id="5" name="Picture 4" descr="Qr code&#10;&#10;Description automatically generated">
+            <a:extLst>
+              <a:ext uri="{FF2B5EF4-FFF2-40B4-BE49-F238E27FC236}">
+                <a16:creationId xmlns:a16="http://schemas.microsoft.com/office/drawing/2014/main" id="{6DAE7085-8044-3A45-AFB3-285987F6CF56}"/>
+              </a:ext>
+            </a:extLst>
+          </p:cNvPr>
+          <p:cNvPicPr>
+            <a:picLocks noChangeAspect="1"/>
+          </p:cNvPicPr>
+          <p:nvPr/>
+        </p:nvPicPr>
+        <p:blipFill>
+          <a:blip r:embed="rId3">
+            <a:extLst>
+              <a:ext uri="{28A0092B-C50C-407E-A947-70E740481C1C}">
+                <a14:useLocalDpi xmlns:a14="http://schemas.microsoft.com/office/drawing/2010/main" val="0"/>
+              </a:ext>
+            </a:extLst>
+          </a:blip>
+          <a:stretch>
+            <a:fillRect/>
+          </a:stretch>
+        </p:blipFill>
+        <p:spPr>
+          <a:xfrm>
+            <a:off x="8175625" y="5654675"/>
+            <a:ext cx="1905000" cy="1905000"/>
+          </a:xfrm>
+          <a:prstGeom prst="rect">
+            <a:avLst/>
+          </a:prstGeom>
+        </p:spPr>
+      </p:pic>
     </p:spTree>
     <p:extLst>
       <p:ext uri="{BB962C8B-B14F-4D97-AF65-F5344CB8AC3E}">
@@ -10892,6 +12022,92 @@
           </a:p>
         </p:txBody>
       </p:sp>
+      <p:sp>
+        <p:nvSpPr>
+          <p:cNvPr id="4" name="TextBox 3">
+            <a:extLst>
+              <a:ext uri="{FF2B5EF4-FFF2-40B4-BE49-F238E27FC236}">
+                <a16:creationId xmlns:a16="http://schemas.microsoft.com/office/drawing/2014/main" id="{C0CA1CB2-46F4-2D4D-9382-E05D213B4F76}"/>
+              </a:ext>
+            </a:extLst>
+          </p:cNvPr>
+          <p:cNvSpPr txBox="1"/>
+          <p:nvPr/>
+        </p:nvSpPr>
+        <p:spPr>
+          <a:xfrm>
+            <a:off x="2518785" y="6991989"/>
+            <a:ext cx="5043054" cy="369332"/>
+          </a:xfrm>
+          <a:prstGeom prst="rect">
+            <a:avLst/>
+          </a:prstGeom>
+          <a:noFill/>
+        </p:spPr>
+        <p:txBody>
+          <a:bodyPr wrap="square">
+            <a:spAutoFit/>
+          </a:bodyPr>
+          <a:lstStyle/>
+          <a:p>
+            <a:r>
+              <a:rPr lang="en-US" dirty="0" err="1">
+                <a:hlinkClick r:id="rId2"/>
+              </a:rPr>
+              <a:t>shorturl.at</a:t>
+            </a:r>
+            <a:r>
+              <a:rPr lang="en-US" dirty="0">
+                <a:hlinkClick r:id="rId2"/>
+              </a:rPr>
+              <a:t>/</a:t>
+            </a:r>
+            <a:r>
+              <a:rPr lang="en-US" dirty="0" err="1">
+                <a:hlinkClick r:id="rId2"/>
+              </a:rPr>
+              <a:t>adgrQ</a:t>
+            </a:r>
+            <a:endParaRPr lang="en-US" dirty="0"/>
+          </a:p>
+        </p:txBody>
+      </p:sp>
+      <p:pic>
+        <p:nvPicPr>
+          <p:cNvPr id="5" name="Picture 4" descr="Qr code&#10;&#10;Description automatically generated">
+            <a:extLst>
+              <a:ext uri="{FF2B5EF4-FFF2-40B4-BE49-F238E27FC236}">
+                <a16:creationId xmlns:a16="http://schemas.microsoft.com/office/drawing/2014/main" id="{21B38B39-AF82-D541-95A2-235D5B86129F}"/>
+              </a:ext>
+            </a:extLst>
+          </p:cNvPr>
+          <p:cNvPicPr>
+            <a:picLocks noChangeAspect="1"/>
+          </p:cNvPicPr>
+          <p:nvPr/>
+        </p:nvPicPr>
+        <p:blipFill>
+          <a:blip r:embed="rId3">
+            <a:extLst>
+              <a:ext uri="{28A0092B-C50C-407E-A947-70E740481C1C}">
+                <a14:useLocalDpi xmlns:a14="http://schemas.microsoft.com/office/drawing/2010/main" val="0"/>
+              </a:ext>
+            </a:extLst>
+          </a:blip>
+          <a:stretch>
+            <a:fillRect/>
+          </a:stretch>
+        </p:blipFill>
+        <p:spPr>
+          <a:xfrm>
+            <a:off x="8175625" y="5654675"/>
+            <a:ext cx="1905000" cy="1905000"/>
+          </a:xfrm>
+          <a:prstGeom prst="rect">
+            <a:avLst/>
+          </a:prstGeom>
+        </p:spPr>
+      </p:pic>
     </p:spTree>
     <p:extLst>
       <p:ext uri="{BB962C8B-B14F-4D97-AF65-F5344CB8AC3E}">
@@ -11058,6 +12274,92 @@
           </a:p>
         </p:txBody>
       </p:sp>
+      <p:sp>
+        <p:nvSpPr>
+          <p:cNvPr id="4" name="TextBox 3">
+            <a:extLst>
+              <a:ext uri="{FF2B5EF4-FFF2-40B4-BE49-F238E27FC236}">
+                <a16:creationId xmlns:a16="http://schemas.microsoft.com/office/drawing/2014/main" id="{0B624A29-CF87-CB40-BE05-12CDC520713A}"/>
+              </a:ext>
+            </a:extLst>
+          </p:cNvPr>
+          <p:cNvSpPr txBox="1"/>
+          <p:nvPr/>
+        </p:nvSpPr>
+        <p:spPr>
+          <a:xfrm>
+            <a:off x="2518785" y="6991989"/>
+            <a:ext cx="5043054" cy="369332"/>
+          </a:xfrm>
+          <a:prstGeom prst="rect">
+            <a:avLst/>
+          </a:prstGeom>
+          <a:noFill/>
+        </p:spPr>
+        <p:txBody>
+          <a:bodyPr wrap="square">
+            <a:spAutoFit/>
+          </a:bodyPr>
+          <a:lstStyle/>
+          <a:p>
+            <a:r>
+              <a:rPr lang="en-US" dirty="0" err="1">
+                <a:hlinkClick r:id="rId4"/>
+              </a:rPr>
+              <a:t>shorturl.at</a:t>
+            </a:r>
+            <a:r>
+              <a:rPr lang="en-US" dirty="0">
+                <a:hlinkClick r:id="rId4"/>
+              </a:rPr>
+              <a:t>/</a:t>
+            </a:r>
+            <a:r>
+              <a:rPr lang="en-US" dirty="0" err="1">
+                <a:hlinkClick r:id="rId4"/>
+              </a:rPr>
+              <a:t>adgrQ</a:t>
+            </a:r>
+            <a:endParaRPr lang="en-US" dirty="0"/>
+          </a:p>
+        </p:txBody>
+      </p:sp>
+      <p:pic>
+        <p:nvPicPr>
+          <p:cNvPr id="5" name="Picture 4" descr="Qr code&#10;&#10;Description automatically generated">
+            <a:extLst>
+              <a:ext uri="{FF2B5EF4-FFF2-40B4-BE49-F238E27FC236}">
+                <a16:creationId xmlns:a16="http://schemas.microsoft.com/office/drawing/2014/main" id="{6FF070F0-3A1F-4441-BAC9-291899EF8B2A}"/>
+              </a:ext>
+            </a:extLst>
+          </p:cNvPr>
+          <p:cNvPicPr>
+            <a:picLocks noChangeAspect="1"/>
+          </p:cNvPicPr>
+          <p:nvPr/>
+        </p:nvPicPr>
+        <p:blipFill>
+          <a:blip r:embed="rId5">
+            <a:extLst>
+              <a:ext uri="{28A0092B-C50C-407E-A947-70E740481C1C}">
+                <a14:useLocalDpi xmlns:a14="http://schemas.microsoft.com/office/drawing/2010/main" val="0"/>
+              </a:ext>
+            </a:extLst>
+          </a:blip>
+          <a:stretch>
+            <a:fillRect/>
+          </a:stretch>
+        </p:blipFill>
+        <p:spPr>
+          <a:xfrm>
+            <a:off x="8175625" y="5654675"/>
+            <a:ext cx="1905000" cy="1905000"/>
+          </a:xfrm>
+          <a:prstGeom prst="rect">
+            <a:avLst/>
+          </a:prstGeom>
+        </p:spPr>
+      </p:pic>
     </p:spTree>
     <p:extLst>
       <p:ext uri="{BB962C8B-B14F-4D97-AF65-F5344CB8AC3E}">
@@ -11218,6 +12520,92 @@
           </a:p>
         </p:txBody>
       </p:sp>
+      <p:sp>
+        <p:nvSpPr>
+          <p:cNvPr id="4" name="TextBox 3">
+            <a:extLst>
+              <a:ext uri="{FF2B5EF4-FFF2-40B4-BE49-F238E27FC236}">
+                <a16:creationId xmlns:a16="http://schemas.microsoft.com/office/drawing/2014/main" id="{162DBF7E-F4D0-D241-83E5-3337421B48ED}"/>
+              </a:ext>
+            </a:extLst>
+          </p:cNvPr>
+          <p:cNvSpPr txBox="1"/>
+          <p:nvPr/>
+        </p:nvSpPr>
+        <p:spPr>
+          <a:xfrm>
+            <a:off x="2518785" y="6991989"/>
+            <a:ext cx="5043054" cy="369332"/>
+          </a:xfrm>
+          <a:prstGeom prst="rect">
+            <a:avLst/>
+          </a:prstGeom>
+          <a:noFill/>
+        </p:spPr>
+        <p:txBody>
+          <a:bodyPr wrap="square">
+            <a:spAutoFit/>
+          </a:bodyPr>
+          <a:lstStyle/>
+          <a:p>
+            <a:r>
+              <a:rPr lang="en-US" dirty="0" err="1">
+                <a:hlinkClick r:id="rId4"/>
+              </a:rPr>
+              <a:t>shorturl.at</a:t>
+            </a:r>
+            <a:r>
+              <a:rPr lang="en-US" dirty="0">
+                <a:hlinkClick r:id="rId4"/>
+              </a:rPr>
+              <a:t>/</a:t>
+            </a:r>
+            <a:r>
+              <a:rPr lang="en-US" dirty="0" err="1">
+                <a:hlinkClick r:id="rId4"/>
+              </a:rPr>
+              <a:t>adgrQ</a:t>
+            </a:r>
+            <a:endParaRPr lang="en-US" dirty="0"/>
+          </a:p>
+        </p:txBody>
+      </p:sp>
+      <p:pic>
+        <p:nvPicPr>
+          <p:cNvPr id="5" name="Picture 4" descr="Qr code&#10;&#10;Description automatically generated">
+            <a:extLst>
+              <a:ext uri="{FF2B5EF4-FFF2-40B4-BE49-F238E27FC236}">
+                <a16:creationId xmlns:a16="http://schemas.microsoft.com/office/drawing/2014/main" id="{9C3EB4BC-A287-EB41-A1B1-03743743F49A}"/>
+              </a:ext>
+            </a:extLst>
+          </p:cNvPr>
+          <p:cNvPicPr>
+            <a:picLocks noChangeAspect="1"/>
+          </p:cNvPicPr>
+          <p:nvPr/>
+        </p:nvPicPr>
+        <p:blipFill>
+          <a:blip r:embed="rId5">
+            <a:extLst>
+              <a:ext uri="{28A0092B-C50C-407E-A947-70E740481C1C}">
+                <a14:useLocalDpi xmlns:a14="http://schemas.microsoft.com/office/drawing/2010/main" val="0"/>
+              </a:ext>
+            </a:extLst>
+          </a:blip>
+          <a:stretch>
+            <a:fillRect/>
+          </a:stretch>
+        </p:blipFill>
+        <p:spPr>
+          <a:xfrm>
+            <a:off x="8175625" y="5654675"/>
+            <a:ext cx="1905000" cy="1905000"/>
+          </a:xfrm>
+          <a:prstGeom prst="rect">
+            <a:avLst/>
+          </a:prstGeom>
+        </p:spPr>
+      </p:pic>
     </p:spTree>
     <p:extLst>
       <p:ext uri="{BB962C8B-B14F-4D97-AF65-F5344CB8AC3E}">
@@ -11412,6 +12800,92 @@
           </a:p>
         </p:txBody>
       </p:sp>
+      <p:sp>
+        <p:nvSpPr>
+          <p:cNvPr id="4" name="TextBox 3">
+            <a:extLst>
+              <a:ext uri="{FF2B5EF4-FFF2-40B4-BE49-F238E27FC236}">
+                <a16:creationId xmlns:a16="http://schemas.microsoft.com/office/drawing/2014/main" id="{B4243813-32C2-8243-8B87-08870A3C3424}"/>
+              </a:ext>
+            </a:extLst>
+          </p:cNvPr>
+          <p:cNvSpPr txBox="1"/>
+          <p:nvPr/>
+        </p:nvSpPr>
+        <p:spPr>
+          <a:xfrm>
+            <a:off x="2518785" y="6991989"/>
+            <a:ext cx="5043054" cy="369332"/>
+          </a:xfrm>
+          <a:prstGeom prst="rect">
+            <a:avLst/>
+          </a:prstGeom>
+          <a:noFill/>
+        </p:spPr>
+        <p:txBody>
+          <a:bodyPr wrap="square">
+            <a:spAutoFit/>
+          </a:bodyPr>
+          <a:lstStyle/>
+          <a:p>
+            <a:r>
+              <a:rPr lang="en-US" dirty="0" err="1">
+                <a:hlinkClick r:id="rId7"/>
+              </a:rPr>
+              <a:t>shorturl.at</a:t>
+            </a:r>
+            <a:r>
+              <a:rPr lang="en-US" dirty="0">
+                <a:hlinkClick r:id="rId7"/>
+              </a:rPr>
+              <a:t>/</a:t>
+            </a:r>
+            <a:r>
+              <a:rPr lang="en-US" dirty="0" err="1">
+                <a:hlinkClick r:id="rId7"/>
+              </a:rPr>
+              <a:t>adgrQ</a:t>
+            </a:r>
+            <a:endParaRPr lang="en-US" dirty="0"/>
+          </a:p>
+        </p:txBody>
+      </p:sp>
+      <p:pic>
+        <p:nvPicPr>
+          <p:cNvPr id="5" name="Picture 4" descr="Qr code&#10;&#10;Description automatically generated">
+            <a:extLst>
+              <a:ext uri="{FF2B5EF4-FFF2-40B4-BE49-F238E27FC236}">
+                <a16:creationId xmlns:a16="http://schemas.microsoft.com/office/drawing/2014/main" id="{007D5BC8-C10C-E747-9610-C5E379C19B43}"/>
+              </a:ext>
+            </a:extLst>
+          </p:cNvPr>
+          <p:cNvPicPr>
+            <a:picLocks noChangeAspect="1"/>
+          </p:cNvPicPr>
+          <p:nvPr/>
+        </p:nvPicPr>
+        <p:blipFill>
+          <a:blip r:embed="rId8">
+            <a:extLst>
+              <a:ext uri="{28A0092B-C50C-407E-A947-70E740481C1C}">
+                <a14:useLocalDpi xmlns:a14="http://schemas.microsoft.com/office/drawing/2010/main" val="0"/>
+              </a:ext>
+            </a:extLst>
+          </a:blip>
+          <a:stretch>
+            <a:fillRect/>
+          </a:stretch>
+        </p:blipFill>
+        <p:spPr>
+          <a:xfrm>
+            <a:off x="8175625" y="5654675"/>
+            <a:ext cx="1905000" cy="1905000"/>
+          </a:xfrm>
+          <a:prstGeom prst="rect">
+            <a:avLst/>
+          </a:prstGeom>
+        </p:spPr>
+      </p:pic>
     </p:spTree>
     <p:extLst>
       <p:ext uri="{BB962C8B-B14F-4D97-AF65-F5344CB8AC3E}">
@@ -11495,6 +12969,92 @@
           </a:p>
         </p:txBody>
       </p:sp>
+      <p:sp>
+        <p:nvSpPr>
+          <p:cNvPr id="4" name="TextBox 3">
+            <a:extLst>
+              <a:ext uri="{FF2B5EF4-FFF2-40B4-BE49-F238E27FC236}">
+                <a16:creationId xmlns:a16="http://schemas.microsoft.com/office/drawing/2014/main" id="{62D745B3-4E6E-594B-9C1F-10E166557205}"/>
+              </a:ext>
+            </a:extLst>
+          </p:cNvPr>
+          <p:cNvSpPr txBox="1"/>
+          <p:nvPr/>
+        </p:nvSpPr>
+        <p:spPr>
+          <a:xfrm>
+            <a:off x="2518785" y="6991989"/>
+            <a:ext cx="5043054" cy="369332"/>
+          </a:xfrm>
+          <a:prstGeom prst="rect">
+            <a:avLst/>
+          </a:prstGeom>
+          <a:noFill/>
+        </p:spPr>
+        <p:txBody>
+          <a:bodyPr wrap="square">
+            <a:spAutoFit/>
+          </a:bodyPr>
+          <a:lstStyle/>
+          <a:p>
+            <a:r>
+              <a:rPr lang="en-US" dirty="0" err="1">
+                <a:hlinkClick r:id="rId2"/>
+              </a:rPr>
+              <a:t>shorturl.at</a:t>
+            </a:r>
+            <a:r>
+              <a:rPr lang="en-US" dirty="0">
+                <a:hlinkClick r:id="rId2"/>
+              </a:rPr>
+              <a:t>/</a:t>
+            </a:r>
+            <a:r>
+              <a:rPr lang="en-US" dirty="0" err="1">
+                <a:hlinkClick r:id="rId2"/>
+              </a:rPr>
+              <a:t>adgrQ</a:t>
+            </a:r>
+            <a:endParaRPr lang="en-US" dirty="0"/>
+          </a:p>
+        </p:txBody>
+      </p:sp>
+      <p:pic>
+        <p:nvPicPr>
+          <p:cNvPr id="5" name="Picture 4" descr="Qr code&#10;&#10;Description automatically generated">
+            <a:extLst>
+              <a:ext uri="{FF2B5EF4-FFF2-40B4-BE49-F238E27FC236}">
+                <a16:creationId xmlns:a16="http://schemas.microsoft.com/office/drawing/2014/main" id="{834BBC48-F6AB-1D49-9576-C4E593A46432}"/>
+              </a:ext>
+            </a:extLst>
+          </p:cNvPr>
+          <p:cNvPicPr>
+            <a:picLocks noChangeAspect="1"/>
+          </p:cNvPicPr>
+          <p:nvPr/>
+        </p:nvPicPr>
+        <p:blipFill>
+          <a:blip r:embed="rId3">
+            <a:extLst>
+              <a:ext uri="{28A0092B-C50C-407E-A947-70E740481C1C}">
+                <a14:useLocalDpi xmlns:a14="http://schemas.microsoft.com/office/drawing/2010/main" val="0"/>
+              </a:ext>
+            </a:extLst>
+          </a:blip>
+          <a:stretch>
+            <a:fillRect/>
+          </a:stretch>
+        </p:blipFill>
+        <p:spPr>
+          <a:xfrm>
+            <a:off x="8175625" y="5654675"/>
+            <a:ext cx="1905000" cy="1905000"/>
+          </a:xfrm>
+          <a:prstGeom prst="rect">
+            <a:avLst/>
+          </a:prstGeom>
+        </p:spPr>
+      </p:pic>
     </p:spTree>
     <p:extLst>
       <p:ext uri="{BB962C8B-B14F-4D97-AF65-F5344CB8AC3E}">
@@ -11601,6 +13161,92 @@
           </a:p>
         </p:txBody>
       </p:sp>
+      <p:sp>
+        <p:nvSpPr>
+          <p:cNvPr id="4" name="TextBox 3">
+            <a:extLst>
+              <a:ext uri="{FF2B5EF4-FFF2-40B4-BE49-F238E27FC236}">
+                <a16:creationId xmlns:a16="http://schemas.microsoft.com/office/drawing/2014/main" id="{F3CC8EAB-229E-5B41-8D4E-FE160541C367}"/>
+              </a:ext>
+            </a:extLst>
+          </p:cNvPr>
+          <p:cNvSpPr txBox="1"/>
+          <p:nvPr/>
+        </p:nvSpPr>
+        <p:spPr>
+          <a:xfrm>
+            <a:off x="2518785" y="6991989"/>
+            <a:ext cx="5043054" cy="369332"/>
+          </a:xfrm>
+          <a:prstGeom prst="rect">
+            <a:avLst/>
+          </a:prstGeom>
+          <a:noFill/>
+        </p:spPr>
+        <p:txBody>
+          <a:bodyPr wrap="square">
+            <a:spAutoFit/>
+          </a:bodyPr>
+          <a:lstStyle/>
+          <a:p>
+            <a:r>
+              <a:rPr lang="en-US" dirty="0" err="1">
+                <a:hlinkClick r:id="rId2"/>
+              </a:rPr>
+              <a:t>shorturl.at</a:t>
+            </a:r>
+            <a:r>
+              <a:rPr lang="en-US" dirty="0">
+                <a:hlinkClick r:id="rId2"/>
+              </a:rPr>
+              <a:t>/</a:t>
+            </a:r>
+            <a:r>
+              <a:rPr lang="en-US" dirty="0" err="1">
+                <a:hlinkClick r:id="rId2"/>
+              </a:rPr>
+              <a:t>adgrQ</a:t>
+            </a:r>
+            <a:endParaRPr lang="en-US" dirty="0"/>
+          </a:p>
+        </p:txBody>
+      </p:sp>
+      <p:pic>
+        <p:nvPicPr>
+          <p:cNvPr id="5" name="Picture 4" descr="Qr code&#10;&#10;Description automatically generated">
+            <a:extLst>
+              <a:ext uri="{FF2B5EF4-FFF2-40B4-BE49-F238E27FC236}">
+                <a16:creationId xmlns:a16="http://schemas.microsoft.com/office/drawing/2014/main" id="{04540002-F6AF-4948-A02D-40ED9B70F0CA}"/>
+              </a:ext>
+            </a:extLst>
+          </p:cNvPr>
+          <p:cNvPicPr>
+            <a:picLocks noChangeAspect="1"/>
+          </p:cNvPicPr>
+          <p:nvPr/>
+        </p:nvPicPr>
+        <p:blipFill>
+          <a:blip r:embed="rId3">
+            <a:extLst>
+              <a:ext uri="{28A0092B-C50C-407E-A947-70E740481C1C}">
+                <a14:useLocalDpi xmlns:a14="http://schemas.microsoft.com/office/drawing/2010/main" val="0"/>
+              </a:ext>
+            </a:extLst>
+          </a:blip>
+          <a:stretch>
+            <a:fillRect/>
+          </a:stretch>
+        </p:blipFill>
+        <p:spPr>
+          <a:xfrm>
+            <a:off x="8175625" y="5654675"/>
+            <a:ext cx="1905000" cy="1905000"/>
+          </a:xfrm>
+          <a:prstGeom prst="rect">
+            <a:avLst/>
+          </a:prstGeom>
+        </p:spPr>
+      </p:pic>
     </p:spTree>
     <p:extLst>
       <p:ext uri="{BB962C8B-B14F-4D97-AF65-F5344CB8AC3E}">
@@ -11739,6 +13385,92 @@
           </a:p>
         </p:txBody>
       </p:sp>
+      <p:sp>
+        <p:nvSpPr>
+          <p:cNvPr id="4" name="TextBox 3">
+            <a:extLst>
+              <a:ext uri="{FF2B5EF4-FFF2-40B4-BE49-F238E27FC236}">
+                <a16:creationId xmlns:a16="http://schemas.microsoft.com/office/drawing/2014/main" id="{776185D7-29B0-1241-8C64-BFA4E83272DE}"/>
+              </a:ext>
+            </a:extLst>
+          </p:cNvPr>
+          <p:cNvSpPr txBox="1"/>
+          <p:nvPr/>
+        </p:nvSpPr>
+        <p:spPr>
+          <a:xfrm>
+            <a:off x="2518785" y="6991989"/>
+            <a:ext cx="5043054" cy="369332"/>
+          </a:xfrm>
+          <a:prstGeom prst="rect">
+            <a:avLst/>
+          </a:prstGeom>
+          <a:noFill/>
+        </p:spPr>
+        <p:txBody>
+          <a:bodyPr wrap="square">
+            <a:spAutoFit/>
+          </a:bodyPr>
+          <a:lstStyle/>
+          <a:p>
+            <a:r>
+              <a:rPr lang="en-US" dirty="0" err="1">
+                <a:hlinkClick r:id="rId2"/>
+              </a:rPr>
+              <a:t>shorturl.at</a:t>
+            </a:r>
+            <a:r>
+              <a:rPr lang="en-US" dirty="0">
+                <a:hlinkClick r:id="rId2"/>
+              </a:rPr>
+              <a:t>/</a:t>
+            </a:r>
+            <a:r>
+              <a:rPr lang="en-US" dirty="0" err="1">
+                <a:hlinkClick r:id="rId2"/>
+              </a:rPr>
+              <a:t>adgrQ</a:t>
+            </a:r>
+            <a:endParaRPr lang="en-US" dirty="0"/>
+          </a:p>
+        </p:txBody>
+      </p:sp>
+      <p:pic>
+        <p:nvPicPr>
+          <p:cNvPr id="5" name="Picture 4" descr="Qr code&#10;&#10;Description automatically generated">
+            <a:extLst>
+              <a:ext uri="{FF2B5EF4-FFF2-40B4-BE49-F238E27FC236}">
+                <a16:creationId xmlns:a16="http://schemas.microsoft.com/office/drawing/2014/main" id="{ABFF84D2-3596-1A4B-B1B5-F4FF5A6F8AE1}"/>
+              </a:ext>
+            </a:extLst>
+          </p:cNvPr>
+          <p:cNvPicPr>
+            <a:picLocks noChangeAspect="1"/>
+          </p:cNvPicPr>
+          <p:nvPr/>
+        </p:nvPicPr>
+        <p:blipFill>
+          <a:blip r:embed="rId3">
+            <a:extLst>
+              <a:ext uri="{28A0092B-C50C-407E-A947-70E740481C1C}">
+                <a14:useLocalDpi xmlns:a14="http://schemas.microsoft.com/office/drawing/2010/main" val="0"/>
+              </a:ext>
+            </a:extLst>
+          </a:blip>
+          <a:stretch>
+            <a:fillRect/>
+          </a:stretch>
+        </p:blipFill>
+        <p:spPr>
+          <a:xfrm>
+            <a:off x="8175625" y="5654675"/>
+            <a:ext cx="1905000" cy="1905000"/>
+          </a:xfrm>
+          <a:prstGeom prst="rect">
+            <a:avLst/>
+          </a:prstGeom>
+        </p:spPr>
+      </p:pic>
     </p:spTree>
     <p:extLst>
       <p:ext uri="{BB962C8B-B14F-4D97-AF65-F5344CB8AC3E}">
@@ -11871,6 +13603,92 @@
           </a:p>
         </p:txBody>
       </p:sp>
+      <p:sp>
+        <p:nvSpPr>
+          <p:cNvPr id="4" name="TextBox 3">
+            <a:extLst>
+              <a:ext uri="{FF2B5EF4-FFF2-40B4-BE49-F238E27FC236}">
+                <a16:creationId xmlns:a16="http://schemas.microsoft.com/office/drawing/2014/main" id="{1E4EC13A-40D0-7243-9C46-EE3D2CF7419A}"/>
+              </a:ext>
+            </a:extLst>
+          </p:cNvPr>
+          <p:cNvSpPr txBox="1"/>
+          <p:nvPr/>
+        </p:nvSpPr>
+        <p:spPr>
+          <a:xfrm>
+            <a:off x="2518785" y="6991989"/>
+            <a:ext cx="5043054" cy="369332"/>
+          </a:xfrm>
+          <a:prstGeom prst="rect">
+            <a:avLst/>
+          </a:prstGeom>
+          <a:noFill/>
+        </p:spPr>
+        <p:txBody>
+          <a:bodyPr wrap="square">
+            <a:spAutoFit/>
+          </a:bodyPr>
+          <a:lstStyle/>
+          <a:p>
+            <a:r>
+              <a:rPr lang="en-US" dirty="0" err="1">
+                <a:hlinkClick r:id="rId3"/>
+              </a:rPr>
+              <a:t>shorturl.at</a:t>
+            </a:r>
+            <a:r>
+              <a:rPr lang="en-US" dirty="0">
+                <a:hlinkClick r:id="rId3"/>
+              </a:rPr>
+              <a:t>/</a:t>
+            </a:r>
+            <a:r>
+              <a:rPr lang="en-US" dirty="0" err="1">
+                <a:hlinkClick r:id="rId3"/>
+              </a:rPr>
+              <a:t>adgrQ</a:t>
+            </a:r>
+            <a:endParaRPr lang="en-US" dirty="0"/>
+          </a:p>
+        </p:txBody>
+      </p:sp>
+      <p:pic>
+        <p:nvPicPr>
+          <p:cNvPr id="5" name="Picture 4" descr="Qr code&#10;&#10;Description automatically generated">
+            <a:extLst>
+              <a:ext uri="{FF2B5EF4-FFF2-40B4-BE49-F238E27FC236}">
+                <a16:creationId xmlns:a16="http://schemas.microsoft.com/office/drawing/2014/main" id="{70B4BE1E-2AE3-144B-A964-62DC6B0FE3EF}"/>
+              </a:ext>
+            </a:extLst>
+          </p:cNvPr>
+          <p:cNvPicPr>
+            <a:picLocks noChangeAspect="1"/>
+          </p:cNvPicPr>
+          <p:nvPr/>
+        </p:nvPicPr>
+        <p:blipFill>
+          <a:blip r:embed="rId4">
+            <a:extLst>
+              <a:ext uri="{28A0092B-C50C-407E-A947-70E740481C1C}">
+                <a14:useLocalDpi xmlns:a14="http://schemas.microsoft.com/office/drawing/2010/main" val="0"/>
+              </a:ext>
+            </a:extLst>
+          </a:blip>
+          <a:stretch>
+            <a:fillRect/>
+          </a:stretch>
+        </p:blipFill>
+        <p:spPr>
+          <a:xfrm>
+            <a:off x="8175625" y="5654675"/>
+            <a:ext cx="1905000" cy="1905000"/>
+          </a:xfrm>
+          <a:prstGeom prst="rect">
+            <a:avLst/>
+          </a:prstGeom>
+        </p:spPr>
+      </p:pic>
     </p:spTree>
     <p:extLst>
       <p:ext uri="{BB962C8B-B14F-4D97-AF65-F5344CB8AC3E}">
@@ -12545,6 +14363,92 @@
           </a:p>
         </p:txBody>
       </p:sp>
+      <p:sp>
+        <p:nvSpPr>
+          <p:cNvPr id="4" name="TextBox 3">
+            <a:extLst>
+              <a:ext uri="{FF2B5EF4-FFF2-40B4-BE49-F238E27FC236}">
+                <a16:creationId xmlns:a16="http://schemas.microsoft.com/office/drawing/2014/main" id="{780BDC3C-6D7E-5449-9BFE-3C6FA0F4D19E}"/>
+              </a:ext>
+            </a:extLst>
+          </p:cNvPr>
+          <p:cNvSpPr txBox="1"/>
+          <p:nvPr/>
+        </p:nvSpPr>
+        <p:spPr>
+          <a:xfrm>
+            <a:off x="2518785" y="6991989"/>
+            <a:ext cx="5043054" cy="369332"/>
+          </a:xfrm>
+          <a:prstGeom prst="rect">
+            <a:avLst/>
+          </a:prstGeom>
+          <a:noFill/>
+        </p:spPr>
+        <p:txBody>
+          <a:bodyPr wrap="square">
+            <a:spAutoFit/>
+          </a:bodyPr>
+          <a:lstStyle/>
+          <a:p>
+            <a:r>
+              <a:rPr lang="en-US" dirty="0" err="1">
+                <a:hlinkClick r:id="rId2"/>
+              </a:rPr>
+              <a:t>shorturl.at</a:t>
+            </a:r>
+            <a:r>
+              <a:rPr lang="en-US" dirty="0">
+                <a:hlinkClick r:id="rId2"/>
+              </a:rPr>
+              <a:t>/</a:t>
+            </a:r>
+            <a:r>
+              <a:rPr lang="en-US" dirty="0" err="1">
+                <a:hlinkClick r:id="rId2"/>
+              </a:rPr>
+              <a:t>adgrQ</a:t>
+            </a:r>
+            <a:endParaRPr lang="en-US" dirty="0"/>
+          </a:p>
+        </p:txBody>
+      </p:sp>
+      <p:pic>
+        <p:nvPicPr>
+          <p:cNvPr id="5" name="Picture 4" descr="Qr code&#10;&#10;Description automatically generated">
+            <a:extLst>
+              <a:ext uri="{FF2B5EF4-FFF2-40B4-BE49-F238E27FC236}">
+                <a16:creationId xmlns:a16="http://schemas.microsoft.com/office/drawing/2014/main" id="{2060CAB2-CF10-5944-900B-A80BCBB7A299}"/>
+              </a:ext>
+            </a:extLst>
+          </p:cNvPr>
+          <p:cNvPicPr>
+            <a:picLocks noChangeAspect="1"/>
+          </p:cNvPicPr>
+          <p:nvPr/>
+        </p:nvPicPr>
+        <p:blipFill>
+          <a:blip r:embed="rId3">
+            <a:extLst>
+              <a:ext uri="{28A0092B-C50C-407E-A947-70E740481C1C}">
+                <a14:useLocalDpi xmlns:a14="http://schemas.microsoft.com/office/drawing/2010/main" val="0"/>
+              </a:ext>
+            </a:extLst>
+          </a:blip>
+          <a:stretch>
+            <a:fillRect/>
+          </a:stretch>
+        </p:blipFill>
+        <p:spPr>
+          <a:xfrm>
+            <a:off x="8175625" y="5654675"/>
+            <a:ext cx="1905000" cy="1905000"/>
+          </a:xfrm>
+          <a:prstGeom prst="rect">
+            <a:avLst/>
+          </a:prstGeom>
+        </p:spPr>
+      </p:pic>
     </p:spTree>
     <p:extLst>
       <p:ext uri="{BB962C8B-B14F-4D97-AF65-F5344CB8AC3E}">
@@ -12738,6 +14642,92 @@
           </a:p>
         </p:txBody>
       </p:sp>
+      <p:sp>
+        <p:nvSpPr>
+          <p:cNvPr id="4" name="TextBox 3">
+            <a:extLst>
+              <a:ext uri="{FF2B5EF4-FFF2-40B4-BE49-F238E27FC236}">
+                <a16:creationId xmlns:a16="http://schemas.microsoft.com/office/drawing/2014/main" id="{F73A1F7A-2487-B144-A9C5-FF4877DE59A2}"/>
+              </a:ext>
+            </a:extLst>
+          </p:cNvPr>
+          <p:cNvSpPr txBox="1"/>
+          <p:nvPr/>
+        </p:nvSpPr>
+        <p:spPr>
+          <a:xfrm>
+            <a:off x="2518785" y="6991989"/>
+            <a:ext cx="5043054" cy="369332"/>
+          </a:xfrm>
+          <a:prstGeom prst="rect">
+            <a:avLst/>
+          </a:prstGeom>
+          <a:noFill/>
+        </p:spPr>
+        <p:txBody>
+          <a:bodyPr wrap="square">
+            <a:spAutoFit/>
+          </a:bodyPr>
+          <a:lstStyle/>
+          <a:p>
+            <a:r>
+              <a:rPr lang="en-US" dirty="0" err="1">
+                <a:hlinkClick r:id="rId3"/>
+              </a:rPr>
+              <a:t>shorturl.at</a:t>
+            </a:r>
+            <a:r>
+              <a:rPr lang="en-US" dirty="0">
+                <a:hlinkClick r:id="rId3"/>
+              </a:rPr>
+              <a:t>/</a:t>
+            </a:r>
+            <a:r>
+              <a:rPr lang="en-US" dirty="0" err="1">
+                <a:hlinkClick r:id="rId3"/>
+              </a:rPr>
+              <a:t>adgrQ</a:t>
+            </a:r>
+            <a:endParaRPr lang="en-US" dirty="0"/>
+          </a:p>
+        </p:txBody>
+      </p:sp>
+      <p:pic>
+        <p:nvPicPr>
+          <p:cNvPr id="5" name="Picture 4" descr="Qr code&#10;&#10;Description automatically generated">
+            <a:extLst>
+              <a:ext uri="{FF2B5EF4-FFF2-40B4-BE49-F238E27FC236}">
+                <a16:creationId xmlns:a16="http://schemas.microsoft.com/office/drawing/2014/main" id="{BE2E9B73-D0B0-5A43-81F8-ECBD40820D6B}"/>
+              </a:ext>
+            </a:extLst>
+          </p:cNvPr>
+          <p:cNvPicPr>
+            <a:picLocks noChangeAspect="1"/>
+          </p:cNvPicPr>
+          <p:nvPr/>
+        </p:nvPicPr>
+        <p:blipFill>
+          <a:blip r:embed="rId4">
+            <a:extLst>
+              <a:ext uri="{28A0092B-C50C-407E-A947-70E740481C1C}">
+                <a14:useLocalDpi xmlns:a14="http://schemas.microsoft.com/office/drawing/2010/main" val="0"/>
+              </a:ext>
+            </a:extLst>
+          </a:blip>
+          <a:stretch>
+            <a:fillRect/>
+          </a:stretch>
+        </p:blipFill>
+        <p:spPr>
+          <a:xfrm>
+            <a:off x="8175625" y="5654675"/>
+            <a:ext cx="1905000" cy="1905000"/>
+          </a:xfrm>
+          <a:prstGeom prst="rect">
+            <a:avLst/>
+          </a:prstGeom>
+        </p:spPr>
+      </p:pic>
     </p:spTree>
   </p:cSld>
   <p:clrMapOvr>
@@ -12851,6 +14841,92 @@
           </a:p>
         </p:txBody>
       </p:sp>
+      <p:sp>
+        <p:nvSpPr>
+          <p:cNvPr id="4" name="TextBox 3">
+            <a:extLst>
+              <a:ext uri="{FF2B5EF4-FFF2-40B4-BE49-F238E27FC236}">
+                <a16:creationId xmlns:a16="http://schemas.microsoft.com/office/drawing/2014/main" id="{2FE7ADEE-6704-3140-9E42-67ECE64FA450}"/>
+              </a:ext>
+            </a:extLst>
+          </p:cNvPr>
+          <p:cNvSpPr txBox="1"/>
+          <p:nvPr/>
+        </p:nvSpPr>
+        <p:spPr>
+          <a:xfrm>
+            <a:off x="2518785" y="6991989"/>
+            <a:ext cx="5043054" cy="369332"/>
+          </a:xfrm>
+          <a:prstGeom prst="rect">
+            <a:avLst/>
+          </a:prstGeom>
+          <a:noFill/>
+        </p:spPr>
+        <p:txBody>
+          <a:bodyPr wrap="square">
+            <a:spAutoFit/>
+          </a:bodyPr>
+          <a:lstStyle/>
+          <a:p>
+            <a:r>
+              <a:rPr lang="en-US" dirty="0" err="1">
+                <a:hlinkClick r:id="rId3"/>
+              </a:rPr>
+              <a:t>shorturl.at</a:t>
+            </a:r>
+            <a:r>
+              <a:rPr lang="en-US" dirty="0">
+                <a:hlinkClick r:id="rId3"/>
+              </a:rPr>
+              <a:t>/</a:t>
+            </a:r>
+            <a:r>
+              <a:rPr lang="en-US" dirty="0" err="1">
+                <a:hlinkClick r:id="rId3"/>
+              </a:rPr>
+              <a:t>adgrQ</a:t>
+            </a:r>
+            <a:endParaRPr lang="en-US" dirty="0"/>
+          </a:p>
+        </p:txBody>
+      </p:sp>
+      <p:pic>
+        <p:nvPicPr>
+          <p:cNvPr id="5" name="Picture 4" descr="Qr code&#10;&#10;Description automatically generated">
+            <a:extLst>
+              <a:ext uri="{FF2B5EF4-FFF2-40B4-BE49-F238E27FC236}">
+                <a16:creationId xmlns:a16="http://schemas.microsoft.com/office/drawing/2014/main" id="{83DB159E-F278-A643-A730-61D599F05E59}"/>
+              </a:ext>
+            </a:extLst>
+          </p:cNvPr>
+          <p:cNvPicPr>
+            <a:picLocks noChangeAspect="1"/>
+          </p:cNvPicPr>
+          <p:nvPr/>
+        </p:nvPicPr>
+        <p:blipFill>
+          <a:blip r:embed="rId4">
+            <a:extLst>
+              <a:ext uri="{28A0092B-C50C-407E-A947-70E740481C1C}">
+                <a14:useLocalDpi xmlns:a14="http://schemas.microsoft.com/office/drawing/2010/main" val="0"/>
+              </a:ext>
+            </a:extLst>
+          </a:blip>
+          <a:stretch>
+            <a:fillRect/>
+          </a:stretch>
+        </p:blipFill>
+        <p:spPr>
+          <a:xfrm>
+            <a:off x="8175625" y="5654675"/>
+            <a:ext cx="1905000" cy="1905000"/>
+          </a:xfrm>
+          <a:prstGeom prst="rect">
+            <a:avLst/>
+          </a:prstGeom>
+        </p:spPr>
+      </p:pic>
     </p:spTree>
     <p:extLst>
       <p:ext uri="{BB962C8B-B14F-4D97-AF65-F5344CB8AC3E}">
@@ -13331,6 +15407,92 @@
           </a:p>
         </p:txBody>
       </p:sp>
+      <p:sp>
+        <p:nvSpPr>
+          <p:cNvPr id="4" name="TextBox 3">
+            <a:extLst>
+              <a:ext uri="{FF2B5EF4-FFF2-40B4-BE49-F238E27FC236}">
+                <a16:creationId xmlns:a16="http://schemas.microsoft.com/office/drawing/2014/main" id="{3D2A079A-BEE9-EF49-895F-C340E9158DE5}"/>
+              </a:ext>
+            </a:extLst>
+          </p:cNvPr>
+          <p:cNvSpPr txBox="1"/>
+          <p:nvPr/>
+        </p:nvSpPr>
+        <p:spPr>
+          <a:xfrm>
+            <a:off x="2518785" y="6991989"/>
+            <a:ext cx="5043054" cy="369332"/>
+          </a:xfrm>
+          <a:prstGeom prst="rect">
+            <a:avLst/>
+          </a:prstGeom>
+          <a:noFill/>
+        </p:spPr>
+        <p:txBody>
+          <a:bodyPr wrap="square">
+            <a:spAutoFit/>
+          </a:bodyPr>
+          <a:lstStyle/>
+          <a:p>
+            <a:r>
+              <a:rPr lang="en-US" dirty="0" err="1">
+                <a:hlinkClick r:id="rId2"/>
+              </a:rPr>
+              <a:t>shorturl.at</a:t>
+            </a:r>
+            <a:r>
+              <a:rPr lang="en-US" dirty="0">
+                <a:hlinkClick r:id="rId2"/>
+              </a:rPr>
+              <a:t>/</a:t>
+            </a:r>
+            <a:r>
+              <a:rPr lang="en-US" dirty="0" err="1">
+                <a:hlinkClick r:id="rId2"/>
+              </a:rPr>
+              <a:t>adgrQ</a:t>
+            </a:r>
+            <a:endParaRPr lang="en-US" dirty="0"/>
+          </a:p>
+        </p:txBody>
+      </p:sp>
+      <p:pic>
+        <p:nvPicPr>
+          <p:cNvPr id="5" name="Picture 4" descr="Qr code&#10;&#10;Description automatically generated">
+            <a:extLst>
+              <a:ext uri="{FF2B5EF4-FFF2-40B4-BE49-F238E27FC236}">
+                <a16:creationId xmlns:a16="http://schemas.microsoft.com/office/drawing/2014/main" id="{3B013394-970F-F846-91AA-D3521CB2D668}"/>
+              </a:ext>
+            </a:extLst>
+          </p:cNvPr>
+          <p:cNvPicPr>
+            <a:picLocks noChangeAspect="1"/>
+          </p:cNvPicPr>
+          <p:nvPr/>
+        </p:nvPicPr>
+        <p:blipFill>
+          <a:blip r:embed="rId3">
+            <a:extLst>
+              <a:ext uri="{28A0092B-C50C-407E-A947-70E740481C1C}">
+                <a14:useLocalDpi xmlns:a14="http://schemas.microsoft.com/office/drawing/2010/main" val="0"/>
+              </a:ext>
+            </a:extLst>
+          </a:blip>
+          <a:stretch>
+            <a:fillRect/>
+          </a:stretch>
+        </p:blipFill>
+        <p:spPr>
+          <a:xfrm>
+            <a:off x="8175625" y="5654675"/>
+            <a:ext cx="1905000" cy="1905000"/>
+          </a:xfrm>
+          <a:prstGeom prst="rect">
+            <a:avLst/>
+          </a:prstGeom>
+        </p:spPr>
+      </p:pic>
     </p:spTree>
     <p:extLst>
       <p:ext uri="{BB962C8B-B14F-4D97-AF65-F5344CB8AC3E}">
@@ -13464,6 +15626,92 @@
           </a:p>
         </p:txBody>
       </p:sp>
+      <p:sp>
+        <p:nvSpPr>
+          <p:cNvPr id="4" name="TextBox 3">
+            <a:extLst>
+              <a:ext uri="{FF2B5EF4-FFF2-40B4-BE49-F238E27FC236}">
+                <a16:creationId xmlns:a16="http://schemas.microsoft.com/office/drawing/2014/main" id="{E43F277D-3853-994D-B405-47BCF053DDFC}"/>
+              </a:ext>
+            </a:extLst>
+          </p:cNvPr>
+          <p:cNvSpPr txBox="1"/>
+          <p:nvPr/>
+        </p:nvSpPr>
+        <p:spPr>
+          <a:xfrm>
+            <a:off x="2518785" y="6991989"/>
+            <a:ext cx="5043054" cy="369332"/>
+          </a:xfrm>
+          <a:prstGeom prst="rect">
+            <a:avLst/>
+          </a:prstGeom>
+          <a:noFill/>
+        </p:spPr>
+        <p:txBody>
+          <a:bodyPr wrap="square">
+            <a:spAutoFit/>
+          </a:bodyPr>
+          <a:lstStyle/>
+          <a:p>
+            <a:r>
+              <a:rPr lang="en-US" dirty="0" err="1">
+                <a:hlinkClick r:id="rId3"/>
+              </a:rPr>
+              <a:t>shorturl.at</a:t>
+            </a:r>
+            <a:r>
+              <a:rPr lang="en-US" dirty="0">
+                <a:hlinkClick r:id="rId3"/>
+              </a:rPr>
+              <a:t>/</a:t>
+            </a:r>
+            <a:r>
+              <a:rPr lang="en-US" dirty="0" err="1">
+                <a:hlinkClick r:id="rId3"/>
+              </a:rPr>
+              <a:t>adgrQ</a:t>
+            </a:r>
+            <a:endParaRPr lang="en-US" dirty="0"/>
+          </a:p>
+        </p:txBody>
+      </p:sp>
+      <p:pic>
+        <p:nvPicPr>
+          <p:cNvPr id="5" name="Picture 4" descr="Qr code&#10;&#10;Description automatically generated">
+            <a:extLst>
+              <a:ext uri="{FF2B5EF4-FFF2-40B4-BE49-F238E27FC236}">
+                <a16:creationId xmlns:a16="http://schemas.microsoft.com/office/drawing/2014/main" id="{4A67F4B4-CCC4-4842-BE30-6FA7C785BF19}"/>
+              </a:ext>
+            </a:extLst>
+          </p:cNvPr>
+          <p:cNvPicPr>
+            <a:picLocks noChangeAspect="1"/>
+          </p:cNvPicPr>
+          <p:nvPr/>
+        </p:nvPicPr>
+        <p:blipFill>
+          <a:blip r:embed="rId4">
+            <a:extLst>
+              <a:ext uri="{28A0092B-C50C-407E-A947-70E740481C1C}">
+                <a14:useLocalDpi xmlns:a14="http://schemas.microsoft.com/office/drawing/2010/main" val="0"/>
+              </a:ext>
+            </a:extLst>
+          </a:blip>
+          <a:stretch>
+            <a:fillRect/>
+          </a:stretch>
+        </p:blipFill>
+        <p:spPr>
+          <a:xfrm>
+            <a:off x="8175625" y="5654675"/>
+            <a:ext cx="1905000" cy="1905000"/>
+          </a:xfrm>
+          <a:prstGeom prst="rect">
+            <a:avLst/>
+          </a:prstGeom>
+        </p:spPr>
+      </p:pic>
     </p:spTree>
     <p:extLst>
       <p:ext uri="{BB962C8B-B14F-4D97-AF65-F5344CB8AC3E}">
@@ -14097,6 +16345,92 @@
           </a:p>
         </p:txBody>
       </p:sp>
+      <p:sp>
+        <p:nvSpPr>
+          <p:cNvPr id="4" name="TextBox 3">
+            <a:extLst>
+              <a:ext uri="{FF2B5EF4-FFF2-40B4-BE49-F238E27FC236}">
+                <a16:creationId xmlns:a16="http://schemas.microsoft.com/office/drawing/2014/main" id="{6F5AEEB7-AE5A-9C4E-87AC-161DFF155BE0}"/>
+              </a:ext>
+            </a:extLst>
+          </p:cNvPr>
+          <p:cNvSpPr txBox="1"/>
+          <p:nvPr/>
+        </p:nvSpPr>
+        <p:spPr>
+          <a:xfrm>
+            <a:off x="2518785" y="6991989"/>
+            <a:ext cx="5043054" cy="369332"/>
+          </a:xfrm>
+          <a:prstGeom prst="rect">
+            <a:avLst/>
+          </a:prstGeom>
+          <a:noFill/>
+        </p:spPr>
+        <p:txBody>
+          <a:bodyPr wrap="square">
+            <a:spAutoFit/>
+          </a:bodyPr>
+          <a:lstStyle/>
+          <a:p>
+            <a:r>
+              <a:rPr lang="en-US" dirty="0" err="1">
+                <a:hlinkClick r:id="rId2"/>
+              </a:rPr>
+              <a:t>shorturl.at</a:t>
+            </a:r>
+            <a:r>
+              <a:rPr lang="en-US" dirty="0">
+                <a:hlinkClick r:id="rId2"/>
+              </a:rPr>
+              <a:t>/</a:t>
+            </a:r>
+            <a:r>
+              <a:rPr lang="en-US" dirty="0" err="1">
+                <a:hlinkClick r:id="rId2"/>
+              </a:rPr>
+              <a:t>adgrQ</a:t>
+            </a:r>
+            <a:endParaRPr lang="en-US" dirty="0"/>
+          </a:p>
+        </p:txBody>
+      </p:sp>
+      <p:pic>
+        <p:nvPicPr>
+          <p:cNvPr id="5" name="Picture 4" descr="Qr code&#10;&#10;Description automatically generated">
+            <a:extLst>
+              <a:ext uri="{FF2B5EF4-FFF2-40B4-BE49-F238E27FC236}">
+                <a16:creationId xmlns:a16="http://schemas.microsoft.com/office/drawing/2014/main" id="{2B2C3F21-DC86-8144-AF48-022A92A2FF48}"/>
+              </a:ext>
+            </a:extLst>
+          </p:cNvPr>
+          <p:cNvPicPr>
+            <a:picLocks noChangeAspect="1"/>
+          </p:cNvPicPr>
+          <p:nvPr/>
+        </p:nvPicPr>
+        <p:blipFill>
+          <a:blip r:embed="rId3">
+            <a:extLst>
+              <a:ext uri="{28A0092B-C50C-407E-A947-70E740481C1C}">
+                <a14:useLocalDpi xmlns:a14="http://schemas.microsoft.com/office/drawing/2010/main" val="0"/>
+              </a:ext>
+            </a:extLst>
+          </a:blip>
+          <a:stretch>
+            <a:fillRect/>
+          </a:stretch>
+        </p:blipFill>
+        <p:spPr>
+          <a:xfrm>
+            <a:off x="8175625" y="5654675"/>
+            <a:ext cx="1905000" cy="1905000"/>
+          </a:xfrm>
+          <a:prstGeom prst="rect">
+            <a:avLst/>
+          </a:prstGeom>
+        </p:spPr>
+      </p:pic>
     </p:spTree>
     <p:extLst>
       <p:ext uri="{BB962C8B-B14F-4D97-AF65-F5344CB8AC3E}">
@@ -14262,6 +16596,92 @@
           </a:p>
         </p:txBody>
       </p:sp>
+      <p:sp>
+        <p:nvSpPr>
+          <p:cNvPr id="4" name="TextBox 3">
+            <a:extLst>
+              <a:ext uri="{FF2B5EF4-FFF2-40B4-BE49-F238E27FC236}">
+                <a16:creationId xmlns:a16="http://schemas.microsoft.com/office/drawing/2014/main" id="{1D09D51B-7EC0-D047-92EA-FECE3532C1BD}"/>
+              </a:ext>
+            </a:extLst>
+          </p:cNvPr>
+          <p:cNvSpPr txBox="1"/>
+          <p:nvPr/>
+        </p:nvSpPr>
+        <p:spPr>
+          <a:xfrm>
+            <a:off x="2518785" y="6991989"/>
+            <a:ext cx="5043054" cy="369332"/>
+          </a:xfrm>
+          <a:prstGeom prst="rect">
+            <a:avLst/>
+          </a:prstGeom>
+          <a:noFill/>
+        </p:spPr>
+        <p:txBody>
+          <a:bodyPr wrap="square">
+            <a:spAutoFit/>
+          </a:bodyPr>
+          <a:lstStyle/>
+          <a:p>
+            <a:r>
+              <a:rPr lang="en-US" dirty="0" err="1">
+                <a:hlinkClick r:id="rId2"/>
+              </a:rPr>
+              <a:t>shorturl.at</a:t>
+            </a:r>
+            <a:r>
+              <a:rPr lang="en-US" dirty="0">
+                <a:hlinkClick r:id="rId2"/>
+              </a:rPr>
+              <a:t>/</a:t>
+            </a:r>
+            <a:r>
+              <a:rPr lang="en-US" dirty="0" err="1">
+                <a:hlinkClick r:id="rId2"/>
+              </a:rPr>
+              <a:t>adgrQ</a:t>
+            </a:r>
+            <a:endParaRPr lang="en-US" dirty="0"/>
+          </a:p>
+        </p:txBody>
+      </p:sp>
+      <p:pic>
+        <p:nvPicPr>
+          <p:cNvPr id="5" name="Picture 4" descr="Qr code&#10;&#10;Description automatically generated">
+            <a:extLst>
+              <a:ext uri="{FF2B5EF4-FFF2-40B4-BE49-F238E27FC236}">
+                <a16:creationId xmlns:a16="http://schemas.microsoft.com/office/drawing/2014/main" id="{22CC32AD-D0AC-8743-9666-5F5237BDD1D8}"/>
+              </a:ext>
+            </a:extLst>
+          </p:cNvPr>
+          <p:cNvPicPr>
+            <a:picLocks noChangeAspect="1"/>
+          </p:cNvPicPr>
+          <p:nvPr/>
+        </p:nvPicPr>
+        <p:blipFill>
+          <a:blip r:embed="rId3">
+            <a:extLst>
+              <a:ext uri="{28A0092B-C50C-407E-A947-70E740481C1C}">
+                <a14:useLocalDpi xmlns:a14="http://schemas.microsoft.com/office/drawing/2010/main" val="0"/>
+              </a:ext>
+            </a:extLst>
+          </a:blip>
+          <a:stretch>
+            <a:fillRect/>
+          </a:stretch>
+        </p:blipFill>
+        <p:spPr>
+          <a:xfrm>
+            <a:off x="8175625" y="5654675"/>
+            <a:ext cx="1905000" cy="1905000"/>
+          </a:xfrm>
+          <a:prstGeom prst="rect">
+            <a:avLst/>
+          </a:prstGeom>
+        </p:spPr>
+      </p:pic>
     </p:spTree>
     <p:extLst>
       <p:ext uri="{BB962C8B-B14F-4D97-AF65-F5344CB8AC3E}">
@@ -14353,6 +16773,92 @@
           </a:p>
         </p:txBody>
       </p:sp>
+      <p:sp>
+        <p:nvSpPr>
+          <p:cNvPr id="4" name="TextBox 3">
+            <a:extLst>
+              <a:ext uri="{FF2B5EF4-FFF2-40B4-BE49-F238E27FC236}">
+                <a16:creationId xmlns:a16="http://schemas.microsoft.com/office/drawing/2014/main" id="{45342F89-B281-E04F-B729-49F21D86B04D}"/>
+              </a:ext>
+            </a:extLst>
+          </p:cNvPr>
+          <p:cNvSpPr txBox="1"/>
+          <p:nvPr/>
+        </p:nvSpPr>
+        <p:spPr>
+          <a:xfrm>
+            <a:off x="2518785" y="6991989"/>
+            <a:ext cx="5043054" cy="369332"/>
+          </a:xfrm>
+          <a:prstGeom prst="rect">
+            <a:avLst/>
+          </a:prstGeom>
+          <a:noFill/>
+        </p:spPr>
+        <p:txBody>
+          <a:bodyPr wrap="square">
+            <a:spAutoFit/>
+          </a:bodyPr>
+          <a:lstStyle/>
+          <a:p>
+            <a:r>
+              <a:rPr lang="en-US" dirty="0" err="1">
+                <a:hlinkClick r:id="rId2"/>
+              </a:rPr>
+              <a:t>shorturl.at</a:t>
+            </a:r>
+            <a:r>
+              <a:rPr lang="en-US" dirty="0">
+                <a:hlinkClick r:id="rId2"/>
+              </a:rPr>
+              <a:t>/</a:t>
+            </a:r>
+            <a:r>
+              <a:rPr lang="en-US" dirty="0" err="1">
+                <a:hlinkClick r:id="rId2"/>
+              </a:rPr>
+              <a:t>adgrQ</a:t>
+            </a:r>
+            <a:endParaRPr lang="en-US" dirty="0"/>
+          </a:p>
+        </p:txBody>
+      </p:sp>
+      <p:pic>
+        <p:nvPicPr>
+          <p:cNvPr id="5" name="Picture 4" descr="Qr code&#10;&#10;Description automatically generated">
+            <a:extLst>
+              <a:ext uri="{FF2B5EF4-FFF2-40B4-BE49-F238E27FC236}">
+                <a16:creationId xmlns:a16="http://schemas.microsoft.com/office/drawing/2014/main" id="{D36F09C0-7AFD-3A4C-9609-6F46BBC8B042}"/>
+              </a:ext>
+            </a:extLst>
+          </p:cNvPr>
+          <p:cNvPicPr>
+            <a:picLocks noChangeAspect="1"/>
+          </p:cNvPicPr>
+          <p:nvPr/>
+        </p:nvPicPr>
+        <p:blipFill>
+          <a:blip r:embed="rId3">
+            <a:extLst>
+              <a:ext uri="{28A0092B-C50C-407E-A947-70E740481C1C}">
+                <a14:useLocalDpi xmlns:a14="http://schemas.microsoft.com/office/drawing/2010/main" val="0"/>
+              </a:ext>
+            </a:extLst>
+          </a:blip>
+          <a:stretch>
+            <a:fillRect/>
+          </a:stretch>
+        </p:blipFill>
+        <p:spPr>
+          <a:xfrm>
+            <a:off x="8175625" y="5654675"/>
+            <a:ext cx="1905000" cy="1905000"/>
+          </a:xfrm>
+          <a:prstGeom prst="rect">
+            <a:avLst/>
+          </a:prstGeom>
+        </p:spPr>
+      </p:pic>
     </p:spTree>
     <p:extLst>
       <p:ext uri="{BB962C8B-B14F-4D97-AF65-F5344CB8AC3E}">
@@ -14513,6 +17019,92 @@
           </a:p>
         </p:txBody>
       </p:sp>
+      <p:sp>
+        <p:nvSpPr>
+          <p:cNvPr id="6" name="TextBox 5">
+            <a:extLst>
+              <a:ext uri="{FF2B5EF4-FFF2-40B4-BE49-F238E27FC236}">
+                <a16:creationId xmlns:a16="http://schemas.microsoft.com/office/drawing/2014/main" id="{17DCBE09-52A3-C741-8C52-62DB9DF8B19A}"/>
+              </a:ext>
+            </a:extLst>
+          </p:cNvPr>
+          <p:cNvSpPr txBox="1"/>
+          <p:nvPr/>
+        </p:nvSpPr>
+        <p:spPr>
+          <a:xfrm>
+            <a:off x="2518785" y="6991989"/>
+            <a:ext cx="5043054" cy="369332"/>
+          </a:xfrm>
+          <a:prstGeom prst="rect">
+            <a:avLst/>
+          </a:prstGeom>
+          <a:noFill/>
+        </p:spPr>
+        <p:txBody>
+          <a:bodyPr wrap="square">
+            <a:spAutoFit/>
+          </a:bodyPr>
+          <a:lstStyle/>
+          <a:p>
+            <a:r>
+              <a:rPr lang="en-US" dirty="0" err="1">
+                <a:hlinkClick r:id="rId2"/>
+              </a:rPr>
+              <a:t>shorturl.at</a:t>
+            </a:r>
+            <a:r>
+              <a:rPr lang="en-US" dirty="0">
+                <a:hlinkClick r:id="rId2"/>
+              </a:rPr>
+              <a:t>/</a:t>
+            </a:r>
+            <a:r>
+              <a:rPr lang="en-US" dirty="0" err="1">
+                <a:hlinkClick r:id="rId2"/>
+              </a:rPr>
+              <a:t>adgrQ</a:t>
+            </a:r>
+            <a:endParaRPr lang="en-US" dirty="0"/>
+          </a:p>
+        </p:txBody>
+      </p:sp>
+      <p:pic>
+        <p:nvPicPr>
+          <p:cNvPr id="7" name="Picture 6" descr="Qr code&#10;&#10;Description automatically generated">
+            <a:extLst>
+              <a:ext uri="{FF2B5EF4-FFF2-40B4-BE49-F238E27FC236}">
+                <a16:creationId xmlns:a16="http://schemas.microsoft.com/office/drawing/2014/main" id="{B0DF3979-BA2B-024F-A69B-615C1CBAF154}"/>
+              </a:ext>
+            </a:extLst>
+          </p:cNvPr>
+          <p:cNvPicPr>
+            <a:picLocks noChangeAspect="1"/>
+          </p:cNvPicPr>
+          <p:nvPr/>
+        </p:nvPicPr>
+        <p:blipFill>
+          <a:blip r:embed="rId3">
+            <a:extLst>
+              <a:ext uri="{28A0092B-C50C-407E-A947-70E740481C1C}">
+                <a14:useLocalDpi xmlns:a14="http://schemas.microsoft.com/office/drawing/2010/main" val="0"/>
+              </a:ext>
+            </a:extLst>
+          </a:blip>
+          <a:stretch>
+            <a:fillRect/>
+          </a:stretch>
+        </p:blipFill>
+        <p:spPr>
+          <a:xfrm>
+            <a:off x="8175625" y="5654675"/>
+            <a:ext cx="1905000" cy="1905000"/>
+          </a:xfrm>
+          <a:prstGeom prst="rect">
+            <a:avLst/>
+          </a:prstGeom>
+        </p:spPr>
+      </p:pic>
     </p:spTree>
     <p:extLst>
       <p:ext uri="{BB962C8B-B14F-4D97-AF65-F5344CB8AC3E}">
@@ -14681,6 +17273,92 @@
           </a:p>
         </p:txBody>
       </p:sp>
+      <p:sp>
+        <p:nvSpPr>
+          <p:cNvPr id="4" name="TextBox 3">
+            <a:extLst>
+              <a:ext uri="{FF2B5EF4-FFF2-40B4-BE49-F238E27FC236}">
+                <a16:creationId xmlns:a16="http://schemas.microsoft.com/office/drawing/2014/main" id="{8C714B05-7DD1-B244-A947-27C7A3C935B4}"/>
+              </a:ext>
+            </a:extLst>
+          </p:cNvPr>
+          <p:cNvSpPr txBox="1"/>
+          <p:nvPr/>
+        </p:nvSpPr>
+        <p:spPr>
+          <a:xfrm>
+            <a:off x="2518785" y="6991989"/>
+            <a:ext cx="5043054" cy="369332"/>
+          </a:xfrm>
+          <a:prstGeom prst="rect">
+            <a:avLst/>
+          </a:prstGeom>
+          <a:noFill/>
+        </p:spPr>
+        <p:txBody>
+          <a:bodyPr wrap="square">
+            <a:spAutoFit/>
+          </a:bodyPr>
+          <a:lstStyle/>
+          <a:p>
+            <a:r>
+              <a:rPr lang="en-US" dirty="0" err="1">
+                <a:hlinkClick r:id="rId2"/>
+              </a:rPr>
+              <a:t>shorturl.at</a:t>
+            </a:r>
+            <a:r>
+              <a:rPr lang="en-US" dirty="0">
+                <a:hlinkClick r:id="rId2"/>
+              </a:rPr>
+              <a:t>/</a:t>
+            </a:r>
+            <a:r>
+              <a:rPr lang="en-US" dirty="0" err="1">
+                <a:hlinkClick r:id="rId2"/>
+              </a:rPr>
+              <a:t>adgrQ</a:t>
+            </a:r>
+            <a:endParaRPr lang="en-US" dirty="0"/>
+          </a:p>
+        </p:txBody>
+      </p:sp>
+      <p:pic>
+        <p:nvPicPr>
+          <p:cNvPr id="5" name="Picture 4" descr="Qr code&#10;&#10;Description automatically generated">
+            <a:extLst>
+              <a:ext uri="{FF2B5EF4-FFF2-40B4-BE49-F238E27FC236}">
+                <a16:creationId xmlns:a16="http://schemas.microsoft.com/office/drawing/2014/main" id="{61DD01C8-5213-5240-B497-7C9B54B78B88}"/>
+              </a:ext>
+            </a:extLst>
+          </p:cNvPr>
+          <p:cNvPicPr>
+            <a:picLocks noChangeAspect="1"/>
+          </p:cNvPicPr>
+          <p:nvPr/>
+        </p:nvPicPr>
+        <p:blipFill>
+          <a:blip r:embed="rId3">
+            <a:extLst>
+              <a:ext uri="{28A0092B-C50C-407E-A947-70E740481C1C}">
+                <a14:useLocalDpi xmlns:a14="http://schemas.microsoft.com/office/drawing/2010/main" val="0"/>
+              </a:ext>
+            </a:extLst>
+          </a:blip>
+          <a:stretch>
+            <a:fillRect/>
+          </a:stretch>
+        </p:blipFill>
+        <p:spPr>
+          <a:xfrm>
+            <a:off x="8175625" y="5654675"/>
+            <a:ext cx="1905000" cy="1905000"/>
+          </a:xfrm>
+          <a:prstGeom prst="rect">
+            <a:avLst/>
+          </a:prstGeom>
+        </p:spPr>
+      </p:pic>
     </p:spTree>
     <p:extLst>
       <p:ext uri="{BB962C8B-B14F-4D97-AF65-F5344CB8AC3E}">
@@ -14844,6 +17522,92 @@
           </a:p>
         </p:txBody>
       </p:sp>
+      <p:sp>
+        <p:nvSpPr>
+          <p:cNvPr id="4" name="TextBox 3">
+            <a:extLst>
+              <a:ext uri="{FF2B5EF4-FFF2-40B4-BE49-F238E27FC236}">
+                <a16:creationId xmlns:a16="http://schemas.microsoft.com/office/drawing/2014/main" id="{AE796207-6362-3F4E-9F74-4E8F9A3E3853}"/>
+              </a:ext>
+            </a:extLst>
+          </p:cNvPr>
+          <p:cNvSpPr txBox="1"/>
+          <p:nvPr/>
+        </p:nvSpPr>
+        <p:spPr>
+          <a:xfrm>
+            <a:off x="2518785" y="6991989"/>
+            <a:ext cx="5043054" cy="369332"/>
+          </a:xfrm>
+          <a:prstGeom prst="rect">
+            <a:avLst/>
+          </a:prstGeom>
+          <a:noFill/>
+        </p:spPr>
+        <p:txBody>
+          <a:bodyPr wrap="square">
+            <a:spAutoFit/>
+          </a:bodyPr>
+          <a:lstStyle/>
+          <a:p>
+            <a:r>
+              <a:rPr lang="en-US" dirty="0" err="1">
+                <a:hlinkClick r:id="rId2"/>
+              </a:rPr>
+              <a:t>shorturl.at</a:t>
+            </a:r>
+            <a:r>
+              <a:rPr lang="en-US" dirty="0">
+                <a:hlinkClick r:id="rId2"/>
+              </a:rPr>
+              <a:t>/</a:t>
+            </a:r>
+            <a:r>
+              <a:rPr lang="en-US" dirty="0" err="1">
+                <a:hlinkClick r:id="rId2"/>
+              </a:rPr>
+              <a:t>adgrQ</a:t>
+            </a:r>
+            <a:endParaRPr lang="en-US" dirty="0"/>
+          </a:p>
+        </p:txBody>
+      </p:sp>
+      <p:pic>
+        <p:nvPicPr>
+          <p:cNvPr id="5" name="Picture 4" descr="Qr code&#10;&#10;Description automatically generated">
+            <a:extLst>
+              <a:ext uri="{FF2B5EF4-FFF2-40B4-BE49-F238E27FC236}">
+                <a16:creationId xmlns:a16="http://schemas.microsoft.com/office/drawing/2014/main" id="{F47CA538-869C-7A43-AA86-6BADF7141100}"/>
+              </a:ext>
+            </a:extLst>
+          </p:cNvPr>
+          <p:cNvPicPr>
+            <a:picLocks noChangeAspect="1"/>
+          </p:cNvPicPr>
+          <p:nvPr/>
+        </p:nvPicPr>
+        <p:blipFill>
+          <a:blip r:embed="rId3">
+            <a:extLst>
+              <a:ext uri="{28A0092B-C50C-407E-A947-70E740481C1C}">
+                <a14:useLocalDpi xmlns:a14="http://schemas.microsoft.com/office/drawing/2010/main" val="0"/>
+              </a:ext>
+            </a:extLst>
+          </a:blip>
+          <a:stretch>
+            <a:fillRect/>
+          </a:stretch>
+        </p:blipFill>
+        <p:spPr>
+          <a:xfrm>
+            <a:off x="8175625" y="5654675"/>
+            <a:ext cx="1905000" cy="1905000"/>
+          </a:xfrm>
+          <a:prstGeom prst="rect">
+            <a:avLst/>
+          </a:prstGeom>
+        </p:spPr>
+      </p:pic>
     </p:spTree>
     <p:extLst>
       <p:ext uri="{BB962C8B-B14F-4D97-AF65-F5344CB8AC3E}">
@@ -14954,6 +17718,92 @@
           </a:p>
         </p:txBody>
       </p:sp>
+      <p:sp>
+        <p:nvSpPr>
+          <p:cNvPr id="4" name="TextBox 3">
+            <a:extLst>
+              <a:ext uri="{FF2B5EF4-FFF2-40B4-BE49-F238E27FC236}">
+                <a16:creationId xmlns:a16="http://schemas.microsoft.com/office/drawing/2014/main" id="{A2F5FFC4-F3B0-A447-B6DF-CBAB12741CBA}"/>
+              </a:ext>
+            </a:extLst>
+          </p:cNvPr>
+          <p:cNvSpPr txBox="1"/>
+          <p:nvPr/>
+        </p:nvSpPr>
+        <p:spPr>
+          <a:xfrm>
+            <a:off x="2518785" y="6991989"/>
+            <a:ext cx="5043054" cy="369332"/>
+          </a:xfrm>
+          <a:prstGeom prst="rect">
+            <a:avLst/>
+          </a:prstGeom>
+          <a:noFill/>
+        </p:spPr>
+        <p:txBody>
+          <a:bodyPr wrap="square">
+            <a:spAutoFit/>
+          </a:bodyPr>
+          <a:lstStyle/>
+          <a:p>
+            <a:r>
+              <a:rPr lang="en-US" dirty="0" err="1">
+                <a:hlinkClick r:id="rId3"/>
+              </a:rPr>
+              <a:t>shorturl.at</a:t>
+            </a:r>
+            <a:r>
+              <a:rPr lang="en-US" dirty="0">
+                <a:hlinkClick r:id="rId3"/>
+              </a:rPr>
+              <a:t>/</a:t>
+            </a:r>
+            <a:r>
+              <a:rPr lang="en-US" dirty="0" err="1">
+                <a:hlinkClick r:id="rId3"/>
+              </a:rPr>
+              <a:t>adgrQ</a:t>
+            </a:r>
+            <a:endParaRPr lang="en-US" dirty="0"/>
+          </a:p>
+        </p:txBody>
+      </p:sp>
+      <p:pic>
+        <p:nvPicPr>
+          <p:cNvPr id="5" name="Picture 4" descr="Qr code&#10;&#10;Description automatically generated">
+            <a:extLst>
+              <a:ext uri="{FF2B5EF4-FFF2-40B4-BE49-F238E27FC236}">
+                <a16:creationId xmlns:a16="http://schemas.microsoft.com/office/drawing/2014/main" id="{DD9B0E0D-F4A4-CF42-98D0-FCEC9A953B62}"/>
+              </a:ext>
+            </a:extLst>
+          </p:cNvPr>
+          <p:cNvPicPr>
+            <a:picLocks noChangeAspect="1"/>
+          </p:cNvPicPr>
+          <p:nvPr/>
+        </p:nvPicPr>
+        <p:blipFill>
+          <a:blip r:embed="rId4">
+            <a:extLst>
+              <a:ext uri="{28A0092B-C50C-407E-A947-70E740481C1C}">
+                <a14:useLocalDpi xmlns:a14="http://schemas.microsoft.com/office/drawing/2010/main" val="0"/>
+              </a:ext>
+            </a:extLst>
+          </a:blip>
+          <a:stretch>
+            <a:fillRect/>
+          </a:stretch>
+        </p:blipFill>
+        <p:spPr>
+          <a:xfrm>
+            <a:off x="8175625" y="5654675"/>
+            <a:ext cx="1905000" cy="1905000"/>
+          </a:xfrm>
+          <a:prstGeom prst="rect">
+            <a:avLst/>
+          </a:prstGeom>
+        </p:spPr>
+      </p:pic>
     </p:spTree>
     <p:extLst>
       <p:ext uri="{BB962C8B-B14F-4D97-AF65-F5344CB8AC3E}">
@@ -15130,6 +17980,92 @@
           </a:prstGeom>
         </p:spPr>
       </p:pic>
+      <p:sp>
+        <p:nvSpPr>
+          <p:cNvPr id="5" name="TextBox 4">
+            <a:extLst>
+              <a:ext uri="{FF2B5EF4-FFF2-40B4-BE49-F238E27FC236}">
+                <a16:creationId xmlns:a16="http://schemas.microsoft.com/office/drawing/2014/main" id="{A379FF30-D9E3-934C-8590-9C880EE21390}"/>
+              </a:ext>
+            </a:extLst>
+          </p:cNvPr>
+          <p:cNvSpPr txBox="1"/>
+          <p:nvPr/>
+        </p:nvSpPr>
+        <p:spPr>
+          <a:xfrm>
+            <a:off x="2518785" y="7005844"/>
+            <a:ext cx="5043054" cy="369332"/>
+          </a:xfrm>
+          <a:prstGeom prst="rect">
+            <a:avLst/>
+          </a:prstGeom>
+          <a:noFill/>
+        </p:spPr>
+        <p:txBody>
+          <a:bodyPr wrap="square">
+            <a:spAutoFit/>
+          </a:bodyPr>
+          <a:lstStyle/>
+          <a:p>
+            <a:r>
+              <a:rPr lang="en-US" dirty="0" err="1">
+                <a:hlinkClick r:id="rId4"/>
+              </a:rPr>
+              <a:t>shorturl.at</a:t>
+            </a:r>
+            <a:r>
+              <a:rPr lang="en-US" dirty="0">
+                <a:hlinkClick r:id="rId4"/>
+              </a:rPr>
+              <a:t>/</a:t>
+            </a:r>
+            <a:r>
+              <a:rPr lang="en-US" dirty="0" err="1">
+                <a:hlinkClick r:id="rId4"/>
+              </a:rPr>
+              <a:t>adgrQ</a:t>
+            </a:r>
+            <a:endParaRPr lang="en-US" dirty="0"/>
+          </a:p>
+        </p:txBody>
+      </p:sp>
+      <p:pic>
+        <p:nvPicPr>
+          <p:cNvPr id="6" name="Picture 5" descr="Qr code&#10;&#10;Description automatically generated">
+            <a:extLst>
+              <a:ext uri="{FF2B5EF4-FFF2-40B4-BE49-F238E27FC236}">
+                <a16:creationId xmlns:a16="http://schemas.microsoft.com/office/drawing/2014/main" id="{38F761C7-E5F5-7D4A-8508-2D51A3E6A3FD}"/>
+              </a:ext>
+            </a:extLst>
+          </p:cNvPr>
+          <p:cNvPicPr>
+            <a:picLocks noChangeAspect="1"/>
+          </p:cNvPicPr>
+          <p:nvPr/>
+        </p:nvPicPr>
+        <p:blipFill>
+          <a:blip r:embed="rId5">
+            <a:extLst>
+              <a:ext uri="{28A0092B-C50C-407E-A947-70E740481C1C}">
+                <a14:useLocalDpi xmlns:a14="http://schemas.microsoft.com/office/drawing/2010/main" val="0"/>
+              </a:ext>
+            </a:extLst>
+          </a:blip>
+          <a:stretch>
+            <a:fillRect/>
+          </a:stretch>
+        </p:blipFill>
+        <p:spPr>
+          <a:xfrm>
+            <a:off x="8175625" y="5668530"/>
+            <a:ext cx="1905000" cy="1905000"/>
+          </a:xfrm>
+          <a:prstGeom prst="rect">
+            <a:avLst/>
+          </a:prstGeom>
+        </p:spPr>
+      </p:pic>
     </p:spTree>
     <p:extLst>
       <p:ext uri="{BB962C8B-B14F-4D97-AF65-F5344CB8AC3E}">
@@ -15250,6 +18186,92 @@
           </a:p>
         </p:txBody>
       </p:sp>
+      <p:sp>
+        <p:nvSpPr>
+          <p:cNvPr id="4" name="TextBox 3">
+            <a:extLst>
+              <a:ext uri="{FF2B5EF4-FFF2-40B4-BE49-F238E27FC236}">
+                <a16:creationId xmlns:a16="http://schemas.microsoft.com/office/drawing/2014/main" id="{975574AF-B01F-3E47-B139-C2CDFF902123}"/>
+              </a:ext>
+            </a:extLst>
+          </p:cNvPr>
+          <p:cNvSpPr txBox="1"/>
+          <p:nvPr/>
+        </p:nvSpPr>
+        <p:spPr>
+          <a:xfrm>
+            <a:off x="2518785" y="6991989"/>
+            <a:ext cx="5043054" cy="369332"/>
+          </a:xfrm>
+          <a:prstGeom prst="rect">
+            <a:avLst/>
+          </a:prstGeom>
+          <a:noFill/>
+        </p:spPr>
+        <p:txBody>
+          <a:bodyPr wrap="square">
+            <a:spAutoFit/>
+          </a:bodyPr>
+          <a:lstStyle/>
+          <a:p>
+            <a:r>
+              <a:rPr lang="en-US" dirty="0" err="1">
+                <a:hlinkClick r:id="rId2"/>
+              </a:rPr>
+              <a:t>shorturl.at</a:t>
+            </a:r>
+            <a:r>
+              <a:rPr lang="en-US" dirty="0">
+                <a:hlinkClick r:id="rId2"/>
+              </a:rPr>
+              <a:t>/</a:t>
+            </a:r>
+            <a:r>
+              <a:rPr lang="en-US" dirty="0" err="1">
+                <a:hlinkClick r:id="rId2"/>
+              </a:rPr>
+              <a:t>adgrQ</a:t>
+            </a:r>
+            <a:endParaRPr lang="en-US" dirty="0"/>
+          </a:p>
+        </p:txBody>
+      </p:sp>
+      <p:pic>
+        <p:nvPicPr>
+          <p:cNvPr id="5" name="Picture 4" descr="Qr code&#10;&#10;Description automatically generated">
+            <a:extLst>
+              <a:ext uri="{FF2B5EF4-FFF2-40B4-BE49-F238E27FC236}">
+                <a16:creationId xmlns:a16="http://schemas.microsoft.com/office/drawing/2014/main" id="{68294686-9B8D-EC4C-84C4-C212EA807989}"/>
+              </a:ext>
+            </a:extLst>
+          </p:cNvPr>
+          <p:cNvPicPr>
+            <a:picLocks noChangeAspect="1"/>
+          </p:cNvPicPr>
+          <p:nvPr/>
+        </p:nvPicPr>
+        <p:blipFill>
+          <a:blip r:embed="rId3">
+            <a:extLst>
+              <a:ext uri="{28A0092B-C50C-407E-A947-70E740481C1C}">
+                <a14:useLocalDpi xmlns:a14="http://schemas.microsoft.com/office/drawing/2010/main" val="0"/>
+              </a:ext>
+            </a:extLst>
+          </a:blip>
+          <a:stretch>
+            <a:fillRect/>
+          </a:stretch>
+        </p:blipFill>
+        <p:spPr>
+          <a:xfrm>
+            <a:off x="8175625" y="5654675"/>
+            <a:ext cx="1905000" cy="1905000"/>
+          </a:xfrm>
+          <a:prstGeom prst="rect">
+            <a:avLst/>
+          </a:prstGeom>
+        </p:spPr>
+      </p:pic>
     </p:spTree>
     <p:extLst>
       <p:ext uri="{BB962C8B-B14F-4D97-AF65-F5344CB8AC3E}">
@@ -15349,6 +18371,92 @@
           </a:p>
         </p:txBody>
       </p:sp>
+      <p:sp>
+        <p:nvSpPr>
+          <p:cNvPr id="4" name="TextBox 3">
+            <a:extLst>
+              <a:ext uri="{FF2B5EF4-FFF2-40B4-BE49-F238E27FC236}">
+                <a16:creationId xmlns:a16="http://schemas.microsoft.com/office/drawing/2014/main" id="{3FC82F85-0571-6F43-8357-5C716D55209D}"/>
+              </a:ext>
+            </a:extLst>
+          </p:cNvPr>
+          <p:cNvSpPr txBox="1"/>
+          <p:nvPr/>
+        </p:nvSpPr>
+        <p:spPr>
+          <a:xfrm>
+            <a:off x="2518785" y="6991989"/>
+            <a:ext cx="5043054" cy="369332"/>
+          </a:xfrm>
+          <a:prstGeom prst="rect">
+            <a:avLst/>
+          </a:prstGeom>
+          <a:noFill/>
+        </p:spPr>
+        <p:txBody>
+          <a:bodyPr wrap="square">
+            <a:spAutoFit/>
+          </a:bodyPr>
+          <a:lstStyle/>
+          <a:p>
+            <a:r>
+              <a:rPr lang="en-US" dirty="0" err="1">
+                <a:hlinkClick r:id="rId2"/>
+              </a:rPr>
+              <a:t>shorturl.at</a:t>
+            </a:r>
+            <a:r>
+              <a:rPr lang="en-US" dirty="0">
+                <a:hlinkClick r:id="rId2"/>
+              </a:rPr>
+              <a:t>/</a:t>
+            </a:r>
+            <a:r>
+              <a:rPr lang="en-US" dirty="0" err="1">
+                <a:hlinkClick r:id="rId2"/>
+              </a:rPr>
+              <a:t>adgrQ</a:t>
+            </a:r>
+            <a:endParaRPr lang="en-US" dirty="0"/>
+          </a:p>
+        </p:txBody>
+      </p:sp>
+      <p:pic>
+        <p:nvPicPr>
+          <p:cNvPr id="5" name="Picture 4" descr="Qr code&#10;&#10;Description automatically generated">
+            <a:extLst>
+              <a:ext uri="{FF2B5EF4-FFF2-40B4-BE49-F238E27FC236}">
+                <a16:creationId xmlns:a16="http://schemas.microsoft.com/office/drawing/2014/main" id="{03202092-E8A6-CB40-931E-94FA3B3E4EFA}"/>
+              </a:ext>
+            </a:extLst>
+          </p:cNvPr>
+          <p:cNvPicPr>
+            <a:picLocks noChangeAspect="1"/>
+          </p:cNvPicPr>
+          <p:nvPr/>
+        </p:nvPicPr>
+        <p:blipFill>
+          <a:blip r:embed="rId3">
+            <a:extLst>
+              <a:ext uri="{28A0092B-C50C-407E-A947-70E740481C1C}">
+                <a14:useLocalDpi xmlns:a14="http://schemas.microsoft.com/office/drawing/2010/main" val="0"/>
+              </a:ext>
+            </a:extLst>
+          </a:blip>
+          <a:stretch>
+            <a:fillRect/>
+          </a:stretch>
+        </p:blipFill>
+        <p:spPr>
+          <a:xfrm>
+            <a:off x="8175625" y="5654675"/>
+            <a:ext cx="1905000" cy="1905000"/>
+          </a:xfrm>
+          <a:prstGeom prst="rect">
+            <a:avLst/>
+          </a:prstGeom>
+        </p:spPr>
+      </p:pic>
     </p:spTree>
     <p:extLst>
       <p:ext uri="{BB962C8B-B14F-4D97-AF65-F5344CB8AC3E}">
@@ -15498,6 +18606,92 @@
           </a:p>
         </p:txBody>
       </p:sp>
+      <p:sp>
+        <p:nvSpPr>
+          <p:cNvPr id="4" name="TextBox 3">
+            <a:extLst>
+              <a:ext uri="{FF2B5EF4-FFF2-40B4-BE49-F238E27FC236}">
+                <a16:creationId xmlns:a16="http://schemas.microsoft.com/office/drawing/2014/main" id="{D183C787-8346-1940-8A45-45A81FA4245A}"/>
+              </a:ext>
+            </a:extLst>
+          </p:cNvPr>
+          <p:cNvSpPr txBox="1"/>
+          <p:nvPr/>
+        </p:nvSpPr>
+        <p:spPr>
+          <a:xfrm>
+            <a:off x="2518785" y="6991989"/>
+            <a:ext cx="5043054" cy="369332"/>
+          </a:xfrm>
+          <a:prstGeom prst="rect">
+            <a:avLst/>
+          </a:prstGeom>
+          <a:noFill/>
+        </p:spPr>
+        <p:txBody>
+          <a:bodyPr wrap="square">
+            <a:spAutoFit/>
+          </a:bodyPr>
+          <a:lstStyle/>
+          <a:p>
+            <a:r>
+              <a:rPr lang="en-US" dirty="0" err="1">
+                <a:hlinkClick r:id="rId2"/>
+              </a:rPr>
+              <a:t>shorturl.at</a:t>
+            </a:r>
+            <a:r>
+              <a:rPr lang="en-US" dirty="0">
+                <a:hlinkClick r:id="rId2"/>
+              </a:rPr>
+              <a:t>/</a:t>
+            </a:r>
+            <a:r>
+              <a:rPr lang="en-US" dirty="0" err="1">
+                <a:hlinkClick r:id="rId2"/>
+              </a:rPr>
+              <a:t>adgrQ</a:t>
+            </a:r>
+            <a:endParaRPr lang="en-US" dirty="0"/>
+          </a:p>
+        </p:txBody>
+      </p:sp>
+      <p:pic>
+        <p:nvPicPr>
+          <p:cNvPr id="5" name="Picture 4" descr="Qr code&#10;&#10;Description automatically generated">
+            <a:extLst>
+              <a:ext uri="{FF2B5EF4-FFF2-40B4-BE49-F238E27FC236}">
+                <a16:creationId xmlns:a16="http://schemas.microsoft.com/office/drawing/2014/main" id="{EAFBB05B-C5D1-914A-994F-86261351DD12}"/>
+              </a:ext>
+            </a:extLst>
+          </p:cNvPr>
+          <p:cNvPicPr>
+            <a:picLocks noChangeAspect="1"/>
+          </p:cNvPicPr>
+          <p:nvPr/>
+        </p:nvPicPr>
+        <p:blipFill>
+          <a:blip r:embed="rId3">
+            <a:extLst>
+              <a:ext uri="{28A0092B-C50C-407E-A947-70E740481C1C}">
+                <a14:useLocalDpi xmlns:a14="http://schemas.microsoft.com/office/drawing/2010/main" val="0"/>
+              </a:ext>
+            </a:extLst>
+          </a:blip>
+          <a:stretch>
+            <a:fillRect/>
+          </a:stretch>
+        </p:blipFill>
+        <p:spPr>
+          <a:xfrm>
+            <a:off x="8175625" y="5654675"/>
+            <a:ext cx="1905000" cy="1905000"/>
+          </a:xfrm>
+          <a:prstGeom prst="rect">
+            <a:avLst/>
+          </a:prstGeom>
+        </p:spPr>
+      </p:pic>
     </p:spTree>
     <p:extLst>
       <p:ext uri="{BB962C8B-B14F-4D97-AF65-F5344CB8AC3E}">
@@ -15581,6 +18775,92 @@
           </a:p>
         </p:txBody>
       </p:sp>
+      <p:sp>
+        <p:nvSpPr>
+          <p:cNvPr id="4" name="TextBox 3">
+            <a:extLst>
+              <a:ext uri="{FF2B5EF4-FFF2-40B4-BE49-F238E27FC236}">
+                <a16:creationId xmlns:a16="http://schemas.microsoft.com/office/drawing/2014/main" id="{7449B39A-6309-1349-A0E6-9A5AA420CAA7}"/>
+              </a:ext>
+            </a:extLst>
+          </p:cNvPr>
+          <p:cNvSpPr txBox="1"/>
+          <p:nvPr/>
+        </p:nvSpPr>
+        <p:spPr>
+          <a:xfrm>
+            <a:off x="2518785" y="6991989"/>
+            <a:ext cx="5043054" cy="369332"/>
+          </a:xfrm>
+          <a:prstGeom prst="rect">
+            <a:avLst/>
+          </a:prstGeom>
+          <a:noFill/>
+        </p:spPr>
+        <p:txBody>
+          <a:bodyPr wrap="square">
+            <a:spAutoFit/>
+          </a:bodyPr>
+          <a:lstStyle/>
+          <a:p>
+            <a:r>
+              <a:rPr lang="en-US" dirty="0" err="1">
+                <a:hlinkClick r:id="rId2"/>
+              </a:rPr>
+              <a:t>shorturl.at</a:t>
+            </a:r>
+            <a:r>
+              <a:rPr lang="en-US" dirty="0">
+                <a:hlinkClick r:id="rId2"/>
+              </a:rPr>
+              <a:t>/</a:t>
+            </a:r>
+            <a:r>
+              <a:rPr lang="en-US" dirty="0" err="1">
+                <a:hlinkClick r:id="rId2"/>
+              </a:rPr>
+              <a:t>adgrQ</a:t>
+            </a:r>
+            <a:endParaRPr lang="en-US" dirty="0"/>
+          </a:p>
+        </p:txBody>
+      </p:sp>
+      <p:pic>
+        <p:nvPicPr>
+          <p:cNvPr id="5" name="Picture 4" descr="Qr code&#10;&#10;Description automatically generated">
+            <a:extLst>
+              <a:ext uri="{FF2B5EF4-FFF2-40B4-BE49-F238E27FC236}">
+                <a16:creationId xmlns:a16="http://schemas.microsoft.com/office/drawing/2014/main" id="{46C5A0E0-E0EC-B54E-BAA2-017CCDEDFB5C}"/>
+              </a:ext>
+            </a:extLst>
+          </p:cNvPr>
+          <p:cNvPicPr>
+            <a:picLocks noChangeAspect="1"/>
+          </p:cNvPicPr>
+          <p:nvPr/>
+        </p:nvPicPr>
+        <p:blipFill>
+          <a:blip r:embed="rId3">
+            <a:extLst>
+              <a:ext uri="{28A0092B-C50C-407E-A947-70E740481C1C}">
+                <a14:useLocalDpi xmlns:a14="http://schemas.microsoft.com/office/drawing/2010/main" val="0"/>
+              </a:ext>
+            </a:extLst>
+          </a:blip>
+          <a:stretch>
+            <a:fillRect/>
+          </a:stretch>
+        </p:blipFill>
+        <p:spPr>
+          <a:xfrm>
+            <a:off x="8175625" y="5654675"/>
+            <a:ext cx="1905000" cy="1905000"/>
+          </a:xfrm>
+          <a:prstGeom prst="rect">
+            <a:avLst/>
+          </a:prstGeom>
+        </p:spPr>
+      </p:pic>
     </p:spTree>
     <p:extLst>
       <p:ext uri="{BB962C8B-B14F-4D97-AF65-F5344CB8AC3E}">
@@ -15801,6 +19081,92 @@
           </a:p>
         </p:txBody>
       </p:sp>
+      <p:sp>
+        <p:nvSpPr>
+          <p:cNvPr id="6" name="TextBox 5">
+            <a:extLst>
+              <a:ext uri="{FF2B5EF4-FFF2-40B4-BE49-F238E27FC236}">
+                <a16:creationId xmlns:a16="http://schemas.microsoft.com/office/drawing/2014/main" id="{159737F6-17B8-314B-8DFB-5BA41CE417AD}"/>
+              </a:ext>
+            </a:extLst>
+          </p:cNvPr>
+          <p:cNvSpPr txBox="1"/>
+          <p:nvPr/>
+        </p:nvSpPr>
+        <p:spPr>
+          <a:xfrm>
+            <a:off x="2518785" y="6991989"/>
+            <a:ext cx="5043054" cy="369332"/>
+          </a:xfrm>
+          <a:prstGeom prst="rect">
+            <a:avLst/>
+          </a:prstGeom>
+          <a:noFill/>
+        </p:spPr>
+        <p:txBody>
+          <a:bodyPr wrap="square">
+            <a:spAutoFit/>
+          </a:bodyPr>
+          <a:lstStyle/>
+          <a:p>
+            <a:r>
+              <a:rPr lang="en-US" dirty="0" err="1">
+                <a:hlinkClick r:id="rId2"/>
+              </a:rPr>
+              <a:t>shorturl.at</a:t>
+            </a:r>
+            <a:r>
+              <a:rPr lang="en-US" dirty="0">
+                <a:hlinkClick r:id="rId2"/>
+              </a:rPr>
+              <a:t>/</a:t>
+            </a:r>
+            <a:r>
+              <a:rPr lang="en-US" dirty="0" err="1">
+                <a:hlinkClick r:id="rId2"/>
+              </a:rPr>
+              <a:t>adgrQ</a:t>
+            </a:r>
+            <a:endParaRPr lang="en-US" dirty="0"/>
+          </a:p>
+        </p:txBody>
+      </p:sp>
+      <p:pic>
+        <p:nvPicPr>
+          <p:cNvPr id="7" name="Picture 6" descr="Qr code&#10;&#10;Description automatically generated">
+            <a:extLst>
+              <a:ext uri="{FF2B5EF4-FFF2-40B4-BE49-F238E27FC236}">
+                <a16:creationId xmlns:a16="http://schemas.microsoft.com/office/drawing/2014/main" id="{E3BDCBCE-EB4A-394F-AE4A-C5BD821E724B}"/>
+              </a:ext>
+            </a:extLst>
+          </p:cNvPr>
+          <p:cNvPicPr>
+            <a:picLocks noChangeAspect="1"/>
+          </p:cNvPicPr>
+          <p:nvPr/>
+        </p:nvPicPr>
+        <p:blipFill>
+          <a:blip r:embed="rId3">
+            <a:extLst>
+              <a:ext uri="{28A0092B-C50C-407E-A947-70E740481C1C}">
+                <a14:useLocalDpi xmlns:a14="http://schemas.microsoft.com/office/drawing/2010/main" val="0"/>
+              </a:ext>
+            </a:extLst>
+          </a:blip>
+          <a:stretch>
+            <a:fillRect/>
+          </a:stretch>
+        </p:blipFill>
+        <p:spPr>
+          <a:xfrm>
+            <a:off x="8175625" y="5654675"/>
+            <a:ext cx="1905000" cy="1905000"/>
+          </a:xfrm>
+          <a:prstGeom prst="rect">
+            <a:avLst/>
+          </a:prstGeom>
+        </p:spPr>
+      </p:pic>
     </p:spTree>
     <p:extLst>
       <p:ext uri="{BB962C8B-B14F-4D97-AF65-F5344CB8AC3E}">
@@ -15966,6 +19332,92 @@
           </a:p>
         </p:txBody>
       </p:sp>
+      <p:sp>
+        <p:nvSpPr>
+          <p:cNvPr id="4" name="TextBox 3">
+            <a:extLst>
+              <a:ext uri="{FF2B5EF4-FFF2-40B4-BE49-F238E27FC236}">
+                <a16:creationId xmlns:a16="http://schemas.microsoft.com/office/drawing/2014/main" id="{7446D3D3-5AF1-1940-B97B-76D09488E67E}"/>
+              </a:ext>
+            </a:extLst>
+          </p:cNvPr>
+          <p:cNvSpPr txBox="1"/>
+          <p:nvPr/>
+        </p:nvSpPr>
+        <p:spPr>
+          <a:xfrm>
+            <a:off x="2518785" y="6991989"/>
+            <a:ext cx="5043054" cy="369332"/>
+          </a:xfrm>
+          <a:prstGeom prst="rect">
+            <a:avLst/>
+          </a:prstGeom>
+          <a:noFill/>
+        </p:spPr>
+        <p:txBody>
+          <a:bodyPr wrap="square">
+            <a:spAutoFit/>
+          </a:bodyPr>
+          <a:lstStyle/>
+          <a:p>
+            <a:r>
+              <a:rPr lang="en-US" dirty="0" err="1">
+                <a:hlinkClick r:id="rId3"/>
+              </a:rPr>
+              <a:t>shorturl.at</a:t>
+            </a:r>
+            <a:r>
+              <a:rPr lang="en-US" dirty="0">
+                <a:hlinkClick r:id="rId3"/>
+              </a:rPr>
+              <a:t>/</a:t>
+            </a:r>
+            <a:r>
+              <a:rPr lang="en-US" dirty="0" err="1">
+                <a:hlinkClick r:id="rId3"/>
+              </a:rPr>
+              <a:t>adgrQ</a:t>
+            </a:r>
+            <a:endParaRPr lang="en-US" dirty="0"/>
+          </a:p>
+        </p:txBody>
+      </p:sp>
+      <p:pic>
+        <p:nvPicPr>
+          <p:cNvPr id="5" name="Picture 4" descr="Qr code&#10;&#10;Description automatically generated">
+            <a:extLst>
+              <a:ext uri="{FF2B5EF4-FFF2-40B4-BE49-F238E27FC236}">
+                <a16:creationId xmlns:a16="http://schemas.microsoft.com/office/drawing/2014/main" id="{8C6A094C-9321-D647-834A-81C5251F151B}"/>
+              </a:ext>
+            </a:extLst>
+          </p:cNvPr>
+          <p:cNvPicPr>
+            <a:picLocks noChangeAspect="1"/>
+          </p:cNvPicPr>
+          <p:nvPr/>
+        </p:nvPicPr>
+        <p:blipFill>
+          <a:blip r:embed="rId4">
+            <a:extLst>
+              <a:ext uri="{28A0092B-C50C-407E-A947-70E740481C1C}">
+                <a14:useLocalDpi xmlns:a14="http://schemas.microsoft.com/office/drawing/2010/main" val="0"/>
+              </a:ext>
+            </a:extLst>
+          </a:blip>
+          <a:stretch>
+            <a:fillRect/>
+          </a:stretch>
+        </p:blipFill>
+        <p:spPr>
+          <a:xfrm>
+            <a:off x="8175625" y="5654675"/>
+            <a:ext cx="1905000" cy="1905000"/>
+          </a:xfrm>
+          <a:prstGeom prst="rect">
+            <a:avLst/>
+          </a:prstGeom>
+        </p:spPr>
+      </p:pic>
     </p:spTree>
     <p:extLst>
       <p:ext uri="{BB962C8B-B14F-4D97-AF65-F5344CB8AC3E}">
@@ -16511,6 +19963,92 @@
           </a:p>
         </p:txBody>
       </p:sp>
+      <p:sp>
+        <p:nvSpPr>
+          <p:cNvPr id="5" name="TextBox 4">
+            <a:extLst>
+              <a:ext uri="{FF2B5EF4-FFF2-40B4-BE49-F238E27FC236}">
+                <a16:creationId xmlns:a16="http://schemas.microsoft.com/office/drawing/2014/main" id="{37F4F460-73DD-594D-80D1-69939442B41D}"/>
+              </a:ext>
+            </a:extLst>
+          </p:cNvPr>
+          <p:cNvSpPr txBox="1"/>
+          <p:nvPr/>
+        </p:nvSpPr>
+        <p:spPr>
+          <a:xfrm>
+            <a:off x="2518785" y="7019699"/>
+            <a:ext cx="5043054" cy="369332"/>
+          </a:xfrm>
+          <a:prstGeom prst="rect">
+            <a:avLst/>
+          </a:prstGeom>
+          <a:noFill/>
+        </p:spPr>
+        <p:txBody>
+          <a:bodyPr wrap="square">
+            <a:spAutoFit/>
+          </a:bodyPr>
+          <a:lstStyle/>
+          <a:p>
+            <a:r>
+              <a:rPr lang="en-US" dirty="0" err="1">
+                <a:hlinkClick r:id="rId4"/>
+              </a:rPr>
+              <a:t>shorturl.at</a:t>
+            </a:r>
+            <a:r>
+              <a:rPr lang="en-US" dirty="0">
+                <a:hlinkClick r:id="rId4"/>
+              </a:rPr>
+              <a:t>/</a:t>
+            </a:r>
+            <a:r>
+              <a:rPr lang="en-US" dirty="0" err="1">
+                <a:hlinkClick r:id="rId4"/>
+              </a:rPr>
+              <a:t>adgrQ</a:t>
+            </a:r>
+            <a:endParaRPr lang="en-US" dirty="0"/>
+          </a:p>
+        </p:txBody>
+      </p:sp>
+      <p:pic>
+        <p:nvPicPr>
+          <p:cNvPr id="6" name="Picture 5" descr="Qr code&#10;&#10;Description automatically generated">
+            <a:extLst>
+              <a:ext uri="{FF2B5EF4-FFF2-40B4-BE49-F238E27FC236}">
+                <a16:creationId xmlns:a16="http://schemas.microsoft.com/office/drawing/2014/main" id="{3B4EE6B4-A89B-5447-9808-3A2D46F1F76D}"/>
+              </a:ext>
+            </a:extLst>
+          </p:cNvPr>
+          <p:cNvPicPr>
+            <a:picLocks noChangeAspect="1"/>
+          </p:cNvPicPr>
+          <p:nvPr/>
+        </p:nvPicPr>
+        <p:blipFill>
+          <a:blip r:embed="rId5">
+            <a:extLst>
+              <a:ext uri="{28A0092B-C50C-407E-A947-70E740481C1C}">
+                <a14:useLocalDpi xmlns:a14="http://schemas.microsoft.com/office/drawing/2010/main" val="0"/>
+              </a:ext>
+            </a:extLst>
+          </a:blip>
+          <a:stretch>
+            <a:fillRect/>
+          </a:stretch>
+        </p:blipFill>
+        <p:spPr>
+          <a:xfrm>
+            <a:off x="8175625" y="5682385"/>
+            <a:ext cx="1905000" cy="1905000"/>
+          </a:xfrm>
+          <a:prstGeom prst="rect">
+            <a:avLst/>
+          </a:prstGeom>
+        </p:spPr>
+      </p:pic>
     </p:spTree>
   </p:cSld>
   <p:clrMapOvr>
@@ -16728,6 +20266,92 @@
           </a:p>
         </p:txBody>
       </p:sp>
+      <p:sp>
+        <p:nvSpPr>
+          <p:cNvPr id="4" name="TextBox 3">
+            <a:extLst>
+              <a:ext uri="{FF2B5EF4-FFF2-40B4-BE49-F238E27FC236}">
+                <a16:creationId xmlns:a16="http://schemas.microsoft.com/office/drawing/2014/main" id="{861C7E37-21BF-314E-A693-3D8989AB6536}"/>
+              </a:ext>
+            </a:extLst>
+          </p:cNvPr>
+          <p:cNvSpPr txBox="1"/>
+          <p:nvPr/>
+        </p:nvSpPr>
+        <p:spPr>
+          <a:xfrm>
+            <a:off x="2518785" y="6991989"/>
+            <a:ext cx="5043054" cy="369332"/>
+          </a:xfrm>
+          <a:prstGeom prst="rect">
+            <a:avLst/>
+          </a:prstGeom>
+          <a:noFill/>
+        </p:spPr>
+        <p:txBody>
+          <a:bodyPr wrap="square">
+            <a:spAutoFit/>
+          </a:bodyPr>
+          <a:lstStyle/>
+          <a:p>
+            <a:r>
+              <a:rPr lang="en-US" dirty="0" err="1">
+                <a:hlinkClick r:id="rId3"/>
+              </a:rPr>
+              <a:t>shorturl.at</a:t>
+            </a:r>
+            <a:r>
+              <a:rPr lang="en-US" dirty="0">
+                <a:hlinkClick r:id="rId3"/>
+              </a:rPr>
+              <a:t>/</a:t>
+            </a:r>
+            <a:r>
+              <a:rPr lang="en-US" dirty="0" err="1">
+                <a:hlinkClick r:id="rId3"/>
+              </a:rPr>
+              <a:t>adgrQ</a:t>
+            </a:r>
+            <a:endParaRPr lang="en-US" dirty="0"/>
+          </a:p>
+        </p:txBody>
+      </p:sp>
+      <p:pic>
+        <p:nvPicPr>
+          <p:cNvPr id="5" name="Picture 4" descr="Qr code&#10;&#10;Description automatically generated">
+            <a:extLst>
+              <a:ext uri="{FF2B5EF4-FFF2-40B4-BE49-F238E27FC236}">
+                <a16:creationId xmlns:a16="http://schemas.microsoft.com/office/drawing/2014/main" id="{7EC38D38-D3EA-A74F-A6D1-8E58990D7F6A}"/>
+              </a:ext>
+            </a:extLst>
+          </p:cNvPr>
+          <p:cNvPicPr>
+            <a:picLocks noChangeAspect="1"/>
+          </p:cNvPicPr>
+          <p:nvPr/>
+        </p:nvPicPr>
+        <p:blipFill>
+          <a:blip r:embed="rId4">
+            <a:extLst>
+              <a:ext uri="{28A0092B-C50C-407E-A947-70E740481C1C}">
+                <a14:useLocalDpi xmlns:a14="http://schemas.microsoft.com/office/drawing/2010/main" val="0"/>
+              </a:ext>
+            </a:extLst>
+          </a:blip>
+          <a:stretch>
+            <a:fillRect/>
+          </a:stretch>
+        </p:blipFill>
+        <p:spPr>
+          <a:xfrm>
+            <a:off x="8175625" y="5654675"/>
+            <a:ext cx="1905000" cy="1905000"/>
+          </a:xfrm>
+          <a:prstGeom prst="rect">
+            <a:avLst/>
+          </a:prstGeom>
+        </p:spPr>
+      </p:pic>
     </p:spTree>
   </p:cSld>
   <p:clrMapOvr>
@@ -16806,6 +20430,92 @@
           </a:p>
         </p:txBody>
       </p:sp>
+      <p:sp>
+        <p:nvSpPr>
+          <p:cNvPr id="4" name="TextBox 3">
+            <a:extLst>
+              <a:ext uri="{FF2B5EF4-FFF2-40B4-BE49-F238E27FC236}">
+                <a16:creationId xmlns:a16="http://schemas.microsoft.com/office/drawing/2014/main" id="{59A6930D-7002-C74D-9F2D-3D4E3072D229}"/>
+              </a:ext>
+            </a:extLst>
+          </p:cNvPr>
+          <p:cNvSpPr txBox="1"/>
+          <p:nvPr/>
+        </p:nvSpPr>
+        <p:spPr>
+          <a:xfrm>
+            <a:off x="2518785" y="6991989"/>
+            <a:ext cx="5043054" cy="369332"/>
+          </a:xfrm>
+          <a:prstGeom prst="rect">
+            <a:avLst/>
+          </a:prstGeom>
+          <a:noFill/>
+        </p:spPr>
+        <p:txBody>
+          <a:bodyPr wrap="square">
+            <a:spAutoFit/>
+          </a:bodyPr>
+          <a:lstStyle/>
+          <a:p>
+            <a:r>
+              <a:rPr lang="en-US" dirty="0" err="1">
+                <a:hlinkClick r:id="rId2"/>
+              </a:rPr>
+              <a:t>shorturl.at</a:t>
+            </a:r>
+            <a:r>
+              <a:rPr lang="en-US" dirty="0">
+                <a:hlinkClick r:id="rId2"/>
+              </a:rPr>
+              <a:t>/</a:t>
+            </a:r>
+            <a:r>
+              <a:rPr lang="en-US" dirty="0" err="1">
+                <a:hlinkClick r:id="rId2"/>
+              </a:rPr>
+              <a:t>adgrQ</a:t>
+            </a:r>
+            <a:endParaRPr lang="en-US" dirty="0"/>
+          </a:p>
+        </p:txBody>
+      </p:sp>
+      <p:pic>
+        <p:nvPicPr>
+          <p:cNvPr id="5" name="Picture 4" descr="Qr code&#10;&#10;Description automatically generated">
+            <a:extLst>
+              <a:ext uri="{FF2B5EF4-FFF2-40B4-BE49-F238E27FC236}">
+                <a16:creationId xmlns:a16="http://schemas.microsoft.com/office/drawing/2014/main" id="{2696B7FA-170C-7E4D-8F6E-61344C268743}"/>
+              </a:ext>
+            </a:extLst>
+          </p:cNvPr>
+          <p:cNvPicPr>
+            <a:picLocks noChangeAspect="1"/>
+          </p:cNvPicPr>
+          <p:nvPr/>
+        </p:nvPicPr>
+        <p:blipFill>
+          <a:blip r:embed="rId3">
+            <a:extLst>
+              <a:ext uri="{28A0092B-C50C-407E-A947-70E740481C1C}">
+                <a14:useLocalDpi xmlns:a14="http://schemas.microsoft.com/office/drawing/2010/main" val="0"/>
+              </a:ext>
+            </a:extLst>
+          </a:blip>
+          <a:stretch>
+            <a:fillRect/>
+          </a:stretch>
+        </p:blipFill>
+        <p:spPr>
+          <a:xfrm>
+            <a:off x="8175625" y="5654675"/>
+            <a:ext cx="1905000" cy="1905000"/>
+          </a:xfrm>
+          <a:prstGeom prst="rect">
+            <a:avLst/>
+          </a:prstGeom>
+        </p:spPr>
+      </p:pic>
     </p:spTree>
     <p:extLst>
       <p:ext uri="{BB962C8B-B14F-4D97-AF65-F5344CB8AC3E}">
@@ -16941,6 +20651,92 @@
           </a:p>
         </p:txBody>
       </p:sp>
+      <p:sp>
+        <p:nvSpPr>
+          <p:cNvPr id="4" name="TextBox 3">
+            <a:extLst>
+              <a:ext uri="{FF2B5EF4-FFF2-40B4-BE49-F238E27FC236}">
+                <a16:creationId xmlns:a16="http://schemas.microsoft.com/office/drawing/2014/main" id="{0335B8BC-5C8F-404F-8757-7A0EC8AC1B6B}"/>
+              </a:ext>
+            </a:extLst>
+          </p:cNvPr>
+          <p:cNvSpPr txBox="1"/>
+          <p:nvPr/>
+        </p:nvSpPr>
+        <p:spPr>
+          <a:xfrm>
+            <a:off x="2518785" y="6991989"/>
+            <a:ext cx="5043054" cy="369332"/>
+          </a:xfrm>
+          <a:prstGeom prst="rect">
+            <a:avLst/>
+          </a:prstGeom>
+          <a:noFill/>
+        </p:spPr>
+        <p:txBody>
+          <a:bodyPr wrap="square">
+            <a:spAutoFit/>
+          </a:bodyPr>
+          <a:lstStyle/>
+          <a:p>
+            <a:r>
+              <a:rPr lang="en-US" dirty="0" err="1">
+                <a:hlinkClick r:id="rId3"/>
+              </a:rPr>
+              <a:t>shorturl.at</a:t>
+            </a:r>
+            <a:r>
+              <a:rPr lang="en-US" dirty="0">
+                <a:hlinkClick r:id="rId3"/>
+              </a:rPr>
+              <a:t>/</a:t>
+            </a:r>
+            <a:r>
+              <a:rPr lang="en-US" dirty="0" err="1">
+                <a:hlinkClick r:id="rId3"/>
+              </a:rPr>
+              <a:t>adgrQ</a:t>
+            </a:r>
+            <a:endParaRPr lang="en-US" dirty="0"/>
+          </a:p>
+        </p:txBody>
+      </p:sp>
+      <p:pic>
+        <p:nvPicPr>
+          <p:cNvPr id="5" name="Picture 4" descr="Qr code&#10;&#10;Description automatically generated">
+            <a:extLst>
+              <a:ext uri="{FF2B5EF4-FFF2-40B4-BE49-F238E27FC236}">
+                <a16:creationId xmlns:a16="http://schemas.microsoft.com/office/drawing/2014/main" id="{426C2029-3936-3845-AD3F-B0FB887E9D2F}"/>
+              </a:ext>
+            </a:extLst>
+          </p:cNvPr>
+          <p:cNvPicPr>
+            <a:picLocks noChangeAspect="1"/>
+          </p:cNvPicPr>
+          <p:nvPr/>
+        </p:nvPicPr>
+        <p:blipFill>
+          <a:blip r:embed="rId4">
+            <a:extLst>
+              <a:ext uri="{28A0092B-C50C-407E-A947-70E740481C1C}">
+                <a14:useLocalDpi xmlns:a14="http://schemas.microsoft.com/office/drawing/2010/main" val="0"/>
+              </a:ext>
+            </a:extLst>
+          </a:blip>
+          <a:stretch>
+            <a:fillRect/>
+          </a:stretch>
+        </p:blipFill>
+        <p:spPr>
+          <a:xfrm>
+            <a:off x="8175625" y="5654675"/>
+            <a:ext cx="1905000" cy="1905000"/>
+          </a:xfrm>
+          <a:prstGeom prst="rect">
+            <a:avLst/>
+          </a:prstGeom>
+        </p:spPr>
+      </p:pic>
     </p:spTree>
     <p:extLst>
       <p:ext uri="{BB962C8B-B14F-4D97-AF65-F5344CB8AC3E}">
@@ -17030,6 +20826,92 @@
           </a:p>
         </p:txBody>
       </p:sp>
+      <p:sp>
+        <p:nvSpPr>
+          <p:cNvPr id="4" name="TextBox 3">
+            <a:extLst>
+              <a:ext uri="{FF2B5EF4-FFF2-40B4-BE49-F238E27FC236}">
+                <a16:creationId xmlns:a16="http://schemas.microsoft.com/office/drawing/2014/main" id="{AB9285E8-60B8-AD4A-8025-ABDF31BF4D51}"/>
+              </a:ext>
+            </a:extLst>
+          </p:cNvPr>
+          <p:cNvSpPr txBox="1"/>
+          <p:nvPr/>
+        </p:nvSpPr>
+        <p:spPr>
+          <a:xfrm>
+            <a:off x="2518785" y="7005844"/>
+            <a:ext cx="5043054" cy="369332"/>
+          </a:xfrm>
+          <a:prstGeom prst="rect">
+            <a:avLst/>
+          </a:prstGeom>
+          <a:noFill/>
+        </p:spPr>
+        <p:txBody>
+          <a:bodyPr wrap="square">
+            <a:spAutoFit/>
+          </a:bodyPr>
+          <a:lstStyle/>
+          <a:p>
+            <a:r>
+              <a:rPr lang="en-US" dirty="0" err="1">
+                <a:hlinkClick r:id="rId3"/>
+              </a:rPr>
+              <a:t>shorturl.at</a:t>
+            </a:r>
+            <a:r>
+              <a:rPr lang="en-US" dirty="0">
+                <a:hlinkClick r:id="rId3"/>
+              </a:rPr>
+              <a:t>/</a:t>
+            </a:r>
+            <a:r>
+              <a:rPr lang="en-US" dirty="0" err="1">
+                <a:hlinkClick r:id="rId3"/>
+              </a:rPr>
+              <a:t>adgrQ</a:t>
+            </a:r>
+            <a:endParaRPr lang="en-US" dirty="0"/>
+          </a:p>
+        </p:txBody>
+      </p:sp>
+      <p:pic>
+        <p:nvPicPr>
+          <p:cNvPr id="5" name="Picture 4" descr="Qr code&#10;&#10;Description automatically generated">
+            <a:extLst>
+              <a:ext uri="{FF2B5EF4-FFF2-40B4-BE49-F238E27FC236}">
+                <a16:creationId xmlns:a16="http://schemas.microsoft.com/office/drawing/2014/main" id="{A8A6DC58-AE22-4246-BF22-5654D757A0F7}"/>
+              </a:ext>
+            </a:extLst>
+          </p:cNvPr>
+          <p:cNvPicPr>
+            <a:picLocks noChangeAspect="1"/>
+          </p:cNvPicPr>
+          <p:nvPr/>
+        </p:nvPicPr>
+        <p:blipFill>
+          <a:blip r:embed="rId4">
+            <a:extLst>
+              <a:ext uri="{28A0092B-C50C-407E-A947-70E740481C1C}">
+                <a14:useLocalDpi xmlns:a14="http://schemas.microsoft.com/office/drawing/2010/main" val="0"/>
+              </a:ext>
+            </a:extLst>
+          </a:blip>
+          <a:stretch>
+            <a:fillRect/>
+          </a:stretch>
+        </p:blipFill>
+        <p:spPr>
+          <a:xfrm>
+            <a:off x="8175625" y="5668530"/>
+            <a:ext cx="1905000" cy="1905000"/>
+          </a:xfrm>
+          <a:prstGeom prst="rect">
+            <a:avLst/>
+          </a:prstGeom>
+        </p:spPr>
+      </p:pic>
     </p:spTree>
     <p:extLst>
       <p:ext uri="{BB962C8B-B14F-4D97-AF65-F5344CB8AC3E}">
